--- a/vip-opq-november-2018/VIP-OPQ-November-2018.pptx
+++ b/vip-opq-november-2018/VIP-OPQ-November-2018.pptx
@@ -4,6 +4,9 @@
   <p:sldMasterIdLst>
     <p:sldMasterId id="2147483648" r:id="rId1"/>
   </p:sldMasterIdLst>
+  <p:notesMasterIdLst>
+    <p:notesMasterId r:id="rId3"/>
+  </p:notesMasterIdLst>
   <p:sldIdLst>
     <p:sldId id="256" r:id="rId2"/>
   </p:sldIdLst>
@@ -123,6 +126,439 @@
 </p:presentation>
 </file>
 
+<file path=ppt/notesMasters/notesMaster1.xml><?xml version="1.0" encoding="utf-8"?>
+<p:notesMaster xmlns:a="http://schemas.openxmlformats.org/drawingml/2006/main" xmlns:r="http://schemas.openxmlformats.org/officeDocument/2006/relationships" xmlns:p="http://schemas.openxmlformats.org/presentationml/2006/main">
+  <p:cSld>
+    <p:bg>
+      <p:bgRef idx="1001">
+        <a:schemeClr val="bg1"/>
+      </p:bgRef>
+    </p:bg>
+    <p:spTree>
+      <p:nvGrpSpPr>
+        <p:cNvPr id="1" name=""/>
+        <p:cNvGrpSpPr/>
+        <p:nvPr/>
+      </p:nvGrpSpPr>
+      <p:grpSpPr>
+        <a:xfrm>
+          <a:off x="0" y="0"/>
+          <a:ext cx="0" cy="0"/>
+          <a:chOff x="0" y="0"/>
+          <a:chExt cx="0" cy="0"/>
+        </a:xfrm>
+      </p:grpSpPr>
+      <p:sp>
+        <p:nvSpPr>
+          <p:cNvPr id="2" name="Header Placeholder 1"/>
+          <p:cNvSpPr>
+            <a:spLocks noGrp="1"/>
+          </p:cNvSpPr>
+          <p:nvPr>
+            <p:ph type="hdr" sz="quarter"/>
+          </p:nvPr>
+        </p:nvSpPr>
+        <p:spPr>
+          <a:xfrm>
+            <a:off x="0" y="0"/>
+            <a:ext cx="11688763" cy="1811338"/>
+          </a:xfrm>
+          <a:prstGeom prst="rect">
+            <a:avLst/>
+          </a:prstGeom>
+        </p:spPr>
+        <p:txBody>
+          <a:bodyPr vert="horz" lIns="91440" tIns="45720" rIns="91440" bIns="45720" rtlCol="0"/>
+          <a:lstStyle>
+            <a:lvl1pPr algn="l">
+              <a:defRPr sz="1200"/>
+            </a:lvl1pPr>
+          </a:lstStyle>
+          <a:p>
+            <a:endParaRPr lang="en-US"/>
+          </a:p>
+        </p:txBody>
+      </p:sp>
+      <p:sp>
+        <p:nvSpPr>
+          <p:cNvPr id="3" name="Date Placeholder 2"/>
+          <p:cNvSpPr>
+            <a:spLocks noGrp="1"/>
+          </p:cNvSpPr>
+          <p:nvPr>
+            <p:ph type="dt" idx="1"/>
+          </p:nvPr>
+        </p:nvSpPr>
+        <p:spPr>
+          <a:xfrm>
+            <a:off x="15279688" y="0"/>
+            <a:ext cx="11688762" cy="1811338"/>
+          </a:xfrm>
+          <a:prstGeom prst="rect">
+            <a:avLst/>
+          </a:prstGeom>
+        </p:spPr>
+        <p:txBody>
+          <a:bodyPr vert="horz" lIns="91440" tIns="45720" rIns="91440" bIns="45720" rtlCol="0"/>
+          <a:lstStyle>
+            <a:lvl1pPr algn="r">
+              <a:defRPr sz="1200"/>
+            </a:lvl1pPr>
+          </a:lstStyle>
+          <a:p>
+            <a:fld id="{007FE00E-CCB3-6D49-9ECD-6B6A6AFB5DFF}" type="datetimeFigureOut">
+              <a:rPr lang="en-US" smtClean="0"/>
+              <a:t>11/3/18</a:t>
+            </a:fld>
+            <a:endParaRPr lang="en-US"/>
+          </a:p>
+        </p:txBody>
+      </p:sp>
+      <p:sp>
+        <p:nvSpPr>
+          <p:cNvPr id="4" name="Slide Image Placeholder 3"/>
+          <p:cNvSpPr>
+            <a:spLocks noGrp="1" noRot="1" noChangeAspect="1"/>
+          </p:cNvSpPr>
+          <p:nvPr>
+            <p:ph type="sldImg" idx="2"/>
+          </p:nvPr>
+        </p:nvSpPr>
+        <p:spPr>
+          <a:xfrm>
+            <a:off x="5360988" y="4514850"/>
+            <a:ext cx="16252825" cy="12190413"/>
+          </a:xfrm>
+          <a:prstGeom prst="rect">
+            <a:avLst/>
+          </a:prstGeom>
+          <a:noFill/>
+          <a:ln w="12700">
+            <a:solidFill>
+              <a:prstClr val="black"/>
+            </a:solidFill>
+          </a:ln>
+        </p:spPr>
+        <p:txBody>
+          <a:bodyPr vert="horz" lIns="91440" tIns="45720" rIns="91440" bIns="45720" rtlCol="0" anchor="ctr"/>
+          <a:lstStyle/>
+          <a:p>
+            <a:endParaRPr lang="en-US"/>
+          </a:p>
+        </p:txBody>
+      </p:sp>
+      <p:sp>
+        <p:nvSpPr>
+          <p:cNvPr id="5" name="Notes Placeholder 4"/>
+          <p:cNvSpPr>
+            <a:spLocks noGrp="1"/>
+          </p:cNvSpPr>
+          <p:nvPr>
+            <p:ph type="body" sz="quarter" idx="3"/>
+          </p:nvPr>
+        </p:nvSpPr>
+        <p:spPr>
+          <a:xfrm>
+            <a:off x="2697163" y="17381538"/>
+            <a:ext cx="21580475" cy="14222412"/>
+          </a:xfrm>
+          <a:prstGeom prst="rect">
+            <a:avLst/>
+          </a:prstGeom>
+        </p:spPr>
+        <p:txBody>
+          <a:bodyPr vert="horz" lIns="91440" tIns="45720" rIns="91440" bIns="45720" rtlCol="0"/>
+          <a:lstStyle/>
+          <a:p>
+            <a:pPr lvl="0"/>
+            <a:r>
+              <a:rPr lang="en-US"/>
+              <a:t>Edit Master text styles</a:t>
+            </a:r>
+          </a:p>
+          <a:p>
+            <a:pPr lvl="1"/>
+            <a:r>
+              <a:rPr lang="en-US"/>
+              <a:t>Second level</a:t>
+            </a:r>
+          </a:p>
+          <a:p>
+            <a:pPr lvl="2"/>
+            <a:r>
+              <a:rPr lang="en-US"/>
+              <a:t>Third level</a:t>
+            </a:r>
+          </a:p>
+          <a:p>
+            <a:pPr lvl="3"/>
+            <a:r>
+              <a:rPr lang="en-US"/>
+              <a:t>Fourth level</a:t>
+            </a:r>
+          </a:p>
+          <a:p>
+            <a:pPr lvl="4"/>
+            <a:r>
+              <a:rPr lang="en-US"/>
+              <a:t>Fifth level</a:t>
+            </a:r>
+          </a:p>
+        </p:txBody>
+      </p:sp>
+      <p:sp>
+        <p:nvSpPr>
+          <p:cNvPr id="6" name="Footer Placeholder 5"/>
+          <p:cNvSpPr>
+            <a:spLocks noGrp="1"/>
+          </p:cNvSpPr>
+          <p:nvPr>
+            <p:ph type="ftr" sz="quarter" idx="4"/>
+          </p:nvPr>
+        </p:nvSpPr>
+        <p:spPr>
+          <a:xfrm>
+            <a:off x="0" y="34307463"/>
+            <a:ext cx="11688763" cy="1811337"/>
+          </a:xfrm>
+          <a:prstGeom prst="rect">
+            <a:avLst/>
+          </a:prstGeom>
+        </p:spPr>
+        <p:txBody>
+          <a:bodyPr vert="horz" lIns="91440" tIns="45720" rIns="91440" bIns="45720" rtlCol="0" anchor="b"/>
+          <a:lstStyle>
+            <a:lvl1pPr algn="l">
+              <a:defRPr sz="1200"/>
+            </a:lvl1pPr>
+          </a:lstStyle>
+          <a:p>
+            <a:endParaRPr lang="en-US"/>
+          </a:p>
+        </p:txBody>
+      </p:sp>
+      <p:sp>
+        <p:nvSpPr>
+          <p:cNvPr id="7" name="Slide Number Placeholder 6"/>
+          <p:cNvSpPr>
+            <a:spLocks noGrp="1"/>
+          </p:cNvSpPr>
+          <p:nvPr>
+            <p:ph type="sldNum" sz="quarter" idx="5"/>
+          </p:nvPr>
+        </p:nvSpPr>
+        <p:spPr>
+          <a:xfrm>
+            <a:off x="15279688" y="34307463"/>
+            <a:ext cx="11688762" cy="1811337"/>
+          </a:xfrm>
+          <a:prstGeom prst="rect">
+            <a:avLst/>
+          </a:prstGeom>
+        </p:spPr>
+        <p:txBody>
+          <a:bodyPr vert="horz" lIns="91440" tIns="45720" rIns="91440" bIns="45720" rtlCol="0" anchor="b"/>
+          <a:lstStyle>
+            <a:lvl1pPr algn="r">
+              <a:defRPr sz="1200"/>
+            </a:lvl1pPr>
+          </a:lstStyle>
+          <a:p>
+            <a:fld id="{275B84A8-0C9E-2044-A871-D7E903E2794C}" type="slidenum">
+              <a:rPr lang="en-US" smtClean="0"/>
+              <a:t>‹#›</a:t>
+            </a:fld>
+            <a:endParaRPr lang="en-US"/>
+          </a:p>
+        </p:txBody>
+      </p:sp>
+    </p:spTree>
+    <p:extLst>
+      <p:ext uri="{BB962C8B-B14F-4D97-AF65-F5344CB8AC3E}">
+        <p14:creationId xmlns:p14="http://schemas.microsoft.com/office/powerpoint/2010/main" val="1683374775"/>
+      </p:ext>
+    </p:extLst>
+  </p:cSld>
+  <p:clrMap bg1="lt1" tx1="dk1" bg2="lt2" tx2="dk2" accent1="accent1" accent2="accent2" accent3="accent3" accent4="accent4" accent5="accent5" accent6="accent6" hlink="hlink" folHlink="folHlink"/>
+  <p:notesStyle>
+    <a:lvl1pPr marL="0" algn="l" defTabSz="914400" rtl="0" eaLnBrk="1" latinLnBrk="0" hangingPunct="1">
+      <a:defRPr sz="1200" kern="1200">
+        <a:solidFill>
+          <a:schemeClr val="tx1"/>
+        </a:solidFill>
+        <a:latin typeface="+mn-lt"/>
+        <a:ea typeface="+mn-ea"/>
+        <a:cs typeface="+mn-cs"/>
+      </a:defRPr>
+    </a:lvl1pPr>
+    <a:lvl2pPr marL="457200" algn="l" defTabSz="914400" rtl="0" eaLnBrk="1" latinLnBrk="0" hangingPunct="1">
+      <a:defRPr sz="1200" kern="1200">
+        <a:solidFill>
+          <a:schemeClr val="tx1"/>
+        </a:solidFill>
+        <a:latin typeface="+mn-lt"/>
+        <a:ea typeface="+mn-ea"/>
+        <a:cs typeface="+mn-cs"/>
+      </a:defRPr>
+    </a:lvl2pPr>
+    <a:lvl3pPr marL="914400" algn="l" defTabSz="914400" rtl="0" eaLnBrk="1" latinLnBrk="0" hangingPunct="1">
+      <a:defRPr sz="1200" kern="1200">
+        <a:solidFill>
+          <a:schemeClr val="tx1"/>
+        </a:solidFill>
+        <a:latin typeface="+mn-lt"/>
+        <a:ea typeface="+mn-ea"/>
+        <a:cs typeface="+mn-cs"/>
+      </a:defRPr>
+    </a:lvl3pPr>
+    <a:lvl4pPr marL="1371600" algn="l" defTabSz="914400" rtl="0" eaLnBrk="1" latinLnBrk="0" hangingPunct="1">
+      <a:defRPr sz="1200" kern="1200">
+        <a:solidFill>
+          <a:schemeClr val="tx1"/>
+        </a:solidFill>
+        <a:latin typeface="+mn-lt"/>
+        <a:ea typeface="+mn-ea"/>
+        <a:cs typeface="+mn-cs"/>
+      </a:defRPr>
+    </a:lvl4pPr>
+    <a:lvl5pPr marL="1828800" algn="l" defTabSz="914400" rtl="0" eaLnBrk="1" latinLnBrk="0" hangingPunct="1">
+      <a:defRPr sz="1200" kern="1200">
+        <a:solidFill>
+          <a:schemeClr val="tx1"/>
+        </a:solidFill>
+        <a:latin typeface="+mn-lt"/>
+        <a:ea typeface="+mn-ea"/>
+        <a:cs typeface="+mn-cs"/>
+      </a:defRPr>
+    </a:lvl5pPr>
+    <a:lvl6pPr marL="2286000" algn="l" defTabSz="914400" rtl="0" eaLnBrk="1" latinLnBrk="0" hangingPunct="1">
+      <a:defRPr sz="1200" kern="1200">
+        <a:solidFill>
+          <a:schemeClr val="tx1"/>
+        </a:solidFill>
+        <a:latin typeface="+mn-lt"/>
+        <a:ea typeface="+mn-ea"/>
+        <a:cs typeface="+mn-cs"/>
+      </a:defRPr>
+    </a:lvl6pPr>
+    <a:lvl7pPr marL="2743200" algn="l" defTabSz="914400" rtl="0" eaLnBrk="1" latinLnBrk="0" hangingPunct="1">
+      <a:defRPr sz="1200" kern="1200">
+        <a:solidFill>
+          <a:schemeClr val="tx1"/>
+        </a:solidFill>
+        <a:latin typeface="+mn-lt"/>
+        <a:ea typeface="+mn-ea"/>
+        <a:cs typeface="+mn-cs"/>
+      </a:defRPr>
+    </a:lvl7pPr>
+    <a:lvl8pPr marL="3200400" algn="l" defTabSz="914400" rtl="0" eaLnBrk="1" latinLnBrk="0" hangingPunct="1">
+      <a:defRPr sz="1200" kern="1200">
+        <a:solidFill>
+          <a:schemeClr val="tx1"/>
+        </a:solidFill>
+        <a:latin typeface="+mn-lt"/>
+        <a:ea typeface="+mn-ea"/>
+        <a:cs typeface="+mn-cs"/>
+      </a:defRPr>
+    </a:lvl8pPr>
+    <a:lvl9pPr marL="3657600" algn="l" defTabSz="914400" rtl="0" eaLnBrk="1" latinLnBrk="0" hangingPunct="1">
+      <a:defRPr sz="1200" kern="1200">
+        <a:solidFill>
+          <a:schemeClr val="tx1"/>
+        </a:solidFill>
+        <a:latin typeface="+mn-lt"/>
+        <a:ea typeface="+mn-ea"/>
+        <a:cs typeface="+mn-cs"/>
+      </a:defRPr>
+    </a:lvl9pPr>
+  </p:notesStyle>
+</p:notesMaster>
+</file>
+
+<file path=ppt/notesSlides/notesSlide1.xml><?xml version="1.0" encoding="utf-8"?>
+<p:notes xmlns:a="http://schemas.openxmlformats.org/drawingml/2006/main" xmlns:r="http://schemas.openxmlformats.org/officeDocument/2006/relationships" xmlns:p="http://schemas.openxmlformats.org/presentationml/2006/main">
+  <p:cSld>
+    <p:spTree>
+      <p:nvGrpSpPr>
+        <p:cNvPr id="1" name=""/>
+        <p:cNvGrpSpPr/>
+        <p:nvPr/>
+      </p:nvGrpSpPr>
+      <p:grpSpPr>
+        <a:xfrm>
+          <a:off x="0" y="0"/>
+          <a:ext cx="0" cy="0"/>
+          <a:chOff x="0" y="0"/>
+          <a:chExt cx="0" cy="0"/>
+        </a:xfrm>
+      </p:grpSpPr>
+      <p:sp>
+        <p:nvSpPr>
+          <p:cNvPr id="2" name="Slide Image Placeholder 1"/>
+          <p:cNvSpPr>
+            <a:spLocks noGrp="1" noRot="1" noChangeAspect="1"/>
+          </p:cNvSpPr>
+          <p:nvPr>
+            <p:ph type="sldImg"/>
+          </p:nvPr>
+        </p:nvSpPr>
+        <p:spPr/>
+      </p:sp>
+      <p:sp>
+        <p:nvSpPr>
+          <p:cNvPr id="3" name="Notes Placeholder 2"/>
+          <p:cNvSpPr>
+            <a:spLocks noGrp="1"/>
+          </p:cNvSpPr>
+          <p:nvPr>
+            <p:ph type="body" idx="1"/>
+          </p:nvPr>
+        </p:nvSpPr>
+        <p:spPr/>
+        <p:txBody>
+          <a:bodyPr/>
+          <a:lstStyle/>
+          <a:p>
+            <a:endParaRPr lang="en-US" dirty="0"/>
+          </a:p>
+        </p:txBody>
+      </p:sp>
+      <p:sp>
+        <p:nvSpPr>
+          <p:cNvPr id="4" name="Slide Number Placeholder 3"/>
+          <p:cNvSpPr>
+            <a:spLocks noGrp="1"/>
+          </p:cNvSpPr>
+          <p:nvPr>
+            <p:ph type="sldNum" sz="quarter" idx="5"/>
+          </p:nvPr>
+        </p:nvSpPr>
+        <p:spPr/>
+        <p:txBody>
+          <a:bodyPr/>
+          <a:lstStyle/>
+          <a:p>
+            <a:fld id="{275B84A8-0C9E-2044-A871-D7E903E2794C}" type="slidenum">
+              <a:rPr lang="en-US" smtClean="0"/>
+              <a:t>1</a:t>
+            </a:fld>
+            <a:endParaRPr lang="en-US"/>
+          </a:p>
+        </p:txBody>
+      </p:sp>
+    </p:spTree>
+    <p:extLst>
+      <p:ext uri="{BB962C8B-B14F-4D97-AF65-F5344CB8AC3E}">
+        <p14:creationId xmlns:p14="http://schemas.microsoft.com/office/powerpoint/2010/main" val="1365273365"/>
+      </p:ext>
+    </p:extLst>
+  </p:cSld>
+  <p:clrMapOvr>
+    <a:masterClrMapping/>
+  </p:clrMapOvr>
+</p:notes>
+</file>
+
 <file path=ppt/slideLayouts/slideLayout1.xml><?xml version="1.0" encoding="utf-8"?>
 <p:sldLayout xmlns:a="http://schemas.openxmlformats.org/drawingml/2006/main" xmlns:r="http://schemas.openxmlformats.org/officeDocument/2006/relationships" xmlns:p="http://schemas.openxmlformats.org/presentationml/2006/main" type="title" preserve="1">
   <p:cSld name="Title Slide">
@@ -303,7 +739,7 @@
             <a:fld id="{135BD307-176B-4D78-836E-8019EAB19CFB}" type="datetimeFigureOut">
               <a:rPr lang="en-US" smtClean="0"/>
               <a:pPr/>
-              <a:t>10/28/18</a:t>
+              <a:t>11/3/18</a:t>
             </a:fld>
             <a:endParaRPr lang="en-US"/>
           </a:p>
@@ -468,7 +904,7 @@
             <a:fld id="{135BD307-176B-4D78-836E-8019EAB19CFB}" type="datetimeFigureOut">
               <a:rPr lang="en-US" smtClean="0"/>
               <a:pPr/>
-              <a:t>10/28/18</a:t>
+              <a:t>11/3/18</a:t>
             </a:fld>
             <a:endParaRPr lang="en-US"/>
           </a:p>
@@ -643,7 +1079,7 @@
             <a:fld id="{135BD307-176B-4D78-836E-8019EAB19CFB}" type="datetimeFigureOut">
               <a:rPr lang="en-US" smtClean="0"/>
               <a:pPr/>
-              <a:t>10/28/18</a:t>
+              <a:t>11/3/18</a:t>
             </a:fld>
             <a:endParaRPr lang="en-US"/>
           </a:p>
@@ -808,7 +1244,7 @@
             <a:fld id="{135BD307-176B-4D78-836E-8019EAB19CFB}" type="datetimeFigureOut">
               <a:rPr lang="en-US" smtClean="0"/>
               <a:pPr/>
-              <a:t>10/28/18</a:t>
+              <a:t>11/3/18</a:t>
             </a:fld>
             <a:endParaRPr lang="en-US"/>
           </a:p>
@@ -1050,7 +1486,7 @@
             <a:fld id="{135BD307-176B-4D78-836E-8019EAB19CFB}" type="datetimeFigureOut">
               <a:rPr lang="en-US" smtClean="0"/>
               <a:pPr/>
-              <a:t>10/28/18</a:t>
+              <a:t>11/3/18</a:t>
             </a:fld>
             <a:endParaRPr lang="en-US"/>
           </a:p>
@@ -1332,7 +1768,7 @@
             <a:fld id="{135BD307-176B-4D78-836E-8019EAB19CFB}" type="datetimeFigureOut">
               <a:rPr lang="en-US" smtClean="0"/>
               <a:pPr/>
-              <a:t>10/28/18</a:t>
+              <a:t>11/3/18</a:t>
             </a:fld>
             <a:endParaRPr lang="en-US"/>
           </a:p>
@@ -1753,7 +2189,7 @@
             <a:fld id="{135BD307-176B-4D78-836E-8019EAB19CFB}" type="datetimeFigureOut">
               <a:rPr lang="en-US" smtClean="0"/>
               <a:pPr/>
-              <a:t>10/28/18</a:t>
+              <a:t>11/3/18</a:t>
             </a:fld>
             <a:endParaRPr lang="en-US"/>
           </a:p>
@@ -1867,7 +2303,7 @@
             <a:fld id="{135BD307-176B-4D78-836E-8019EAB19CFB}" type="datetimeFigureOut">
               <a:rPr lang="en-US" smtClean="0"/>
               <a:pPr/>
-              <a:t>10/28/18</a:t>
+              <a:t>11/3/18</a:t>
             </a:fld>
             <a:endParaRPr lang="en-US"/>
           </a:p>
@@ -1959,7 +2395,7 @@
             <a:fld id="{135BD307-176B-4D78-836E-8019EAB19CFB}" type="datetimeFigureOut">
               <a:rPr lang="en-US" smtClean="0"/>
               <a:pPr/>
-              <a:t>10/28/18</a:t>
+              <a:t>11/3/18</a:t>
             </a:fld>
             <a:endParaRPr lang="en-US"/>
           </a:p>
@@ -2231,7 +2667,7 @@
             <a:fld id="{135BD307-176B-4D78-836E-8019EAB19CFB}" type="datetimeFigureOut">
               <a:rPr lang="en-US" smtClean="0"/>
               <a:pPr/>
-              <a:t>10/28/18</a:t>
+              <a:t>11/3/18</a:t>
             </a:fld>
             <a:endParaRPr lang="en-US"/>
           </a:p>
@@ -2480,7 +2916,7 @@
             <a:fld id="{135BD307-176B-4D78-836E-8019EAB19CFB}" type="datetimeFigureOut">
               <a:rPr lang="en-US" smtClean="0"/>
               <a:pPr/>
-              <a:t>10/28/18</a:t>
+              <a:t>11/3/18</a:t>
             </a:fld>
             <a:endParaRPr lang="en-US"/>
           </a:p>
@@ -2688,7 +3124,7 @@
             <a:fld id="{135BD307-176B-4D78-836E-8019EAB19CFB}" type="datetimeFigureOut">
               <a:rPr lang="en-US" smtClean="0"/>
               <a:pPr/>
-              <a:t>10/28/18</a:t>
+              <a:t>11/3/18</a:t>
             </a:fld>
             <a:endParaRPr lang="en-US"/>
           </a:p>
@@ -3275,7 +3711,23 @@
                 <a:ea typeface="宋体" pitchFamily="-65" charset="-122"/>
                 <a:cs typeface="宋体" pitchFamily="-65" charset="-122"/>
               </a:rPr>
-              <a:t>Evan </a:t>
+              <a:t>Anthony </a:t>
+            </a:r>
+            <a:r>
+              <a:rPr lang="en-US" altLang="zh-CN" sz="4000" dirty="0" err="1">
+                <a:latin typeface="Arial" pitchFamily="-65" charset="0"/>
+                <a:ea typeface="宋体" pitchFamily="-65" charset="-122"/>
+                <a:cs typeface="宋体" pitchFamily="-65" charset="-122"/>
+              </a:rPr>
+              <a:t>Christe</a:t>
+            </a:r>
+            <a:r>
+              <a:rPr lang="en-US" altLang="zh-CN" sz="4000" dirty="0">
+                <a:latin typeface="Arial" pitchFamily="-65" charset="0"/>
+                <a:ea typeface="宋体" pitchFamily="-65" charset="-122"/>
+                <a:cs typeface="宋体" pitchFamily="-65" charset="-122"/>
+              </a:rPr>
+              <a:t>, Charles Dickens, Kaila Foltz, Evan </a:t>
             </a:r>
             <a:r>
               <a:rPr lang="en-US" altLang="zh-CN" sz="4000" dirty="0" err="1">
@@ -3291,7 +3743,7 @@
                 <a:ea typeface="宋体" pitchFamily="-65" charset="-122"/>
                 <a:cs typeface="宋体" pitchFamily="-65" charset="-122"/>
               </a:rPr>
-              <a:t>, Kea Uehara, David </a:t>
+              <a:t>, Camelia Lai, Serge </a:t>
             </a:r>
             <a:r>
               <a:rPr lang="en-US" altLang="zh-CN" sz="4000" dirty="0" err="1">
@@ -3299,7 +3751,23 @@
                 <a:ea typeface="宋体" pitchFamily="-65" charset="-122"/>
                 <a:cs typeface="宋体" pitchFamily="-65" charset="-122"/>
               </a:rPr>
-              <a:t>Badke</a:t>
+              <a:t>Negrashov</a:t>
+            </a:r>
+            <a:r>
+              <a:rPr lang="en-US" altLang="zh-CN" sz="4000" dirty="0">
+                <a:latin typeface="Arial" pitchFamily="-65" charset="0"/>
+                <a:ea typeface="宋体" pitchFamily="-65" charset="-122"/>
+                <a:cs typeface="宋体" pitchFamily="-65" charset="-122"/>
+              </a:rPr>
+              <a:t>, Il Ung </a:t>
+            </a:r>
+            <a:r>
+              <a:rPr lang="en-US" altLang="zh-CN" sz="4000" dirty="0" err="1">
+                <a:latin typeface="Arial" pitchFamily="-65" charset="0"/>
+                <a:ea typeface="宋体" pitchFamily="-65" charset="-122"/>
+                <a:cs typeface="宋体" pitchFamily="-65" charset="-122"/>
+              </a:rPr>
+              <a:t>Jeong</a:t>
             </a:r>
             <a:br>
               <a:rPr lang="en-US" altLang="zh-CN" sz="4000" dirty="0">
@@ -3340,8 +3808,8 @@
         </p:nvSpPr>
         <p:spPr bwMode="auto">
           <a:xfrm>
-            <a:off x="1092202" y="4876801"/>
-            <a:ext cx="16992599" cy="6438899"/>
+            <a:off x="1092202" y="4876802"/>
+            <a:ext cx="16875227" cy="5305172"/>
           </a:xfrm>
           <a:prstGeom prst="roundRect">
             <a:avLst>
@@ -3436,8 +3904,8 @@
         </p:nvSpPr>
         <p:spPr bwMode="auto">
           <a:xfrm>
-            <a:off x="755871" y="5657969"/>
-            <a:ext cx="17343819" cy="5324535"/>
+            <a:off x="1102361" y="5780768"/>
+            <a:ext cx="16604523" cy="4401205"/>
           </a:xfrm>
           <a:prstGeom prst="rect">
             <a:avLst/>
@@ -3470,16 +3938,69 @@
                 <a:latin typeface="Arial" panose="020B0604020202020204" pitchFamily="34" charset="0"/>
                 <a:cs typeface="Arial" panose="020B0604020202020204" pitchFamily="34" charset="0"/>
               </a:rPr>
-              <a:t>    Power quality is not currently a concern for most people in the United States. Just like most people assume that their tap water is of adequate quality to drink, most also assume that their electricity is of adequate quality to power their homes and appliances without causing harm. And, in both cases, most people assume that public utilities will monitor and correct any quality problems if they occur.</a:t>
-            </a:r>
-            <a:r>
-              <a:rPr lang="en-US" sz="2000" b="1" dirty="0">
+              <a:t>    Successfully maintaining adequate power quality and providing sufficient amounts of it to meet the rising needs of consumers has been a triumph of electrical utilities for over 100 years. In recent times, however, there have been changes to the nature of electrical generation and consumption that make power quality of increasing public concern and interest.</a:t>
+            </a:r>
+          </a:p>
+          <a:p>
+            <a:pPr marL="457200" lvl="2">
+              <a:spcBef>
+                <a:spcPct val="0"/>
+              </a:spcBef>
+            </a:pPr>
+            <a:r>
+              <a:rPr lang="en-US" sz="2000" dirty="0">
                 <a:latin typeface="Arial" panose="020B0604020202020204" pitchFamily="34" charset="0"/>
-                <a:ea typeface="PMingLiU" pitchFamily="18" charset="-120"/>
                 <a:cs typeface="Arial" panose="020B0604020202020204" pitchFamily="34" charset="0"/>
               </a:rPr>
-              <a:t>   </a:t>
-            </a:r>
+              <a:t>    The Open Power Quality (OPQ) project began in 2012 with the goal of developing and evaluating technology to support three important improvements to electrical infrastructure:</a:t>
+            </a:r>
+          </a:p>
+          <a:p>
+            <a:pPr marL="457200" lvl="2">
+              <a:spcBef>
+                <a:spcPct val="0"/>
+              </a:spcBef>
+            </a:pPr>
+            <a:r>
+              <a:rPr lang="en-US" sz="2000" dirty="0">
+                <a:latin typeface="Arial" panose="020B0604020202020204" pitchFamily="34" charset="0"/>
+                <a:cs typeface="Arial" panose="020B0604020202020204" pitchFamily="34" charset="0"/>
+              </a:rPr>
+              <a:t>    1: Increase the capacity of small and large electrical grids to employ distributed, intermittent forms of renewable energy.</a:t>
+            </a:r>
+          </a:p>
+          <a:p>
+            <a:pPr marL="457200" lvl="2">
+              <a:spcBef>
+                <a:spcPct val="0"/>
+              </a:spcBef>
+            </a:pPr>
+            <a:r>
+              <a:rPr lang="en-US" sz="2000" dirty="0">
+                <a:latin typeface="Arial" panose="020B0604020202020204" pitchFamily="34" charset="0"/>
+                <a:cs typeface="Arial" panose="020B0604020202020204" pitchFamily="34" charset="0"/>
+              </a:rPr>
+              <a:t>    2: Gain insight into lifespan and failure rate problems in consumer electronics due to poor power quality.</a:t>
+            </a:r>
+          </a:p>
+          <a:p>
+            <a:pPr marL="457200" lvl="2">
+              <a:spcBef>
+                <a:spcPct val="0"/>
+              </a:spcBef>
+            </a:pPr>
+            <a:r>
+              <a:rPr lang="en-US" sz="2000" dirty="0">
+                <a:latin typeface="Arial" panose="020B0604020202020204" pitchFamily="34" charset="0"/>
+                <a:cs typeface="Arial" panose="020B0604020202020204" pitchFamily="34" charset="0"/>
+              </a:rPr>
+              <a:t>    3: Provide an independent, low cost source of useful power quality data to consumers, researchers, and public policy makers.</a:t>
+            </a:r>
+            <a:endParaRPr lang="en-US" sz="2000" b="1" dirty="0">
+              <a:latin typeface="Arial" panose="020B0604020202020204" pitchFamily="34" charset="0"/>
+              <a:ea typeface="PMingLiU" pitchFamily="18" charset="-120"/>
+              <a:cs typeface="Arial" panose="020B0604020202020204" pitchFamily="34" charset="0"/>
+            </a:endParaRPr>
           </a:p>
           <a:p>
             <a:pPr marL="457200" lvl="2">
@@ -3497,94 +4018,11 @@
             </a:r>
             <a:r>
               <a:rPr lang="en-US" sz="2000" dirty="0">
-                <a:latin typeface="Arial" panose="020B0604020202020204" pitchFamily="34" charset="0"/>
-                <a:cs typeface="Arial" panose="020B0604020202020204" pitchFamily="34" charset="0"/>
-              </a:rPr>
-              <a:t>Successfully maintaining adequate power quality and providing sufficient amounts of it to meet the rising needs of consumers has been a triumph of electrical utilities for over 100 years. In recent times, however, there have been changes to the nature of electrical generation and consumption that make power quality of increasing public concern and interest. </a:t>
-            </a:r>
-          </a:p>
-          <a:p>
-            <a:pPr marL="457200" lvl="2">
-              <a:spcBef>
-                <a:spcPct val="0"/>
-              </a:spcBef>
-            </a:pPr>
-            <a:r>
-              <a:rPr lang="en-US" sz="2000" dirty="0">
-                <a:latin typeface="Arial" panose="020B0604020202020204" pitchFamily="34" charset="0"/>
-                <a:cs typeface="Arial" panose="020B0604020202020204" pitchFamily="34" charset="0"/>
-              </a:rPr>
-              <a:t>    The Open Power Quality (OPQ) project began in 2012 with the goal of developing and evaluating technology to support three important improvements to electrical infrastructure:</a:t>
-            </a:r>
-          </a:p>
-          <a:p>
-            <a:pPr marL="457200" lvl="2">
-              <a:spcBef>
-                <a:spcPct val="0"/>
-              </a:spcBef>
-            </a:pPr>
-            <a:r>
-              <a:rPr lang="en-US" sz="2000" dirty="0">
-                <a:latin typeface="Arial" panose="020B0604020202020204" pitchFamily="34" charset="0"/>
-                <a:cs typeface="Arial" panose="020B0604020202020204" pitchFamily="34" charset="0"/>
-              </a:rPr>
-              <a:t>    1: Increase the capacity of small and large electrical grids to employ distributed, intermittent forms of renewable energy.</a:t>
-            </a:r>
-          </a:p>
-          <a:p>
-            <a:pPr marL="457200" lvl="2">
-              <a:spcBef>
-                <a:spcPct val="0"/>
-              </a:spcBef>
-            </a:pPr>
-            <a:r>
-              <a:rPr lang="en-US" sz="2000" dirty="0">
-                <a:latin typeface="Arial" panose="020B0604020202020204" pitchFamily="34" charset="0"/>
-                <a:cs typeface="Arial" panose="020B0604020202020204" pitchFamily="34" charset="0"/>
-              </a:rPr>
-              <a:t>    2: Gain insight into lifespan and failure rate problems in consumer electronics due to poor power quality.</a:t>
-            </a:r>
-          </a:p>
-          <a:p>
-            <a:pPr marL="457200" lvl="2">
-              <a:spcBef>
-                <a:spcPct val="0"/>
-              </a:spcBef>
-            </a:pPr>
-            <a:r>
-              <a:rPr lang="en-US" sz="2000" dirty="0">
-                <a:latin typeface="Arial" panose="020B0604020202020204" pitchFamily="34" charset="0"/>
-                <a:cs typeface="Arial" panose="020B0604020202020204" pitchFamily="34" charset="0"/>
-              </a:rPr>
-              <a:t>    3: Provide an independent, low cost source of useful power quality data to consumers, researchers, and public policy makers.</a:t>
-            </a:r>
-            <a:endParaRPr lang="en-US" sz="2000" b="1" dirty="0">
-              <a:latin typeface="Arial" panose="020B0604020202020204" pitchFamily="34" charset="0"/>
-              <a:ea typeface="PMingLiU" pitchFamily="18" charset="-120"/>
-              <a:cs typeface="Arial" panose="020B0604020202020204" pitchFamily="34" charset="0"/>
-            </a:endParaRPr>
-          </a:p>
-          <a:p>
-            <a:pPr marL="457200" lvl="2">
-              <a:spcBef>
-                <a:spcPct val="0"/>
-              </a:spcBef>
-            </a:pPr>
-            <a:r>
-              <a:rPr lang="en-US" sz="2000" b="1" dirty="0">
-                <a:latin typeface="Arial" panose="020B0604020202020204" pitchFamily="34" charset="0"/>
-                <a:ea typeface="PMingLiU" pitchFamily="18" charset="-120"/>
-                <a:cs typeface="Arial" panose="020B0604020202020204" pitchFamily="34" charset="0"/>
-              </a:rPr>
-              <a:t>    </a:t>
-            </a:r>
-            <a:r>
-              <a:rPr lang="en-US" sz="2000" dirty="0">
                 <a:latin typeface="Arial" pitchFamily="-65" charset="0"/>
                 <a:ea typeface="PMingLiU" pitchFamily="18" charset="-120"/>
                 <a:cs typeface="PMingLiU" pitchFamily="18" charset="-120"/>
               </a:rPr>
-              <a:t>Current state of the art power quality monitoring devices are designed for stand alone operation and follow common architectural principles that do not allow for flexibility on how data is represented and communicated and are not developed for everyday customers to understand. Furthermore, stand alone power quality monitoring devices lack global awareness, they are only able to recognize local events. </a:t>
+              <a:t>Current state of the art power quality monitoring devices are designed for stand alone operation and follow common architectural principles that do not allow for flexibility on how data is represented and communicated and are not developed for everyday customers to understand. Furthermore, stand alone power quality monitoring devices lack global awareness, they are only able to recognize local events.    </a:t>
             </a:r>
           </a:p>
           <a:p>
@@ -3613,7 +4051,7 @@
           <p:nvPr/>
         </p:nvPicPr>
         <p:blipFill>
-          <a:blip r:embed="rId2" cstate="print"/>
+          <a:blip r:embed="rId3" cstate="print"/>
           <a:stretch>
             <a:fillRect/>
           </a:stretch>
@@ -3776,8 +4214,8 @@
         </p:nvSpPr>
         <p:spPr bwMode="auto">
           <a:xfrm>
-            <a:off x="1117601" y="11487150"/>
-            <a:ext cx="16992599" cy="8286750"/>
+            <a:off x="1016000" y="10301093"/>
+            <a:ext cx="16992599" cy="7529707"/>
           </a:xfrm>
           <a:prstGeom prst="roundRect">
             <a:avLst>
@@ -3824,8 +4262,8 @@
         </p:nvSpPr>
         <p:spPr bwMode="auto">
           <a:xfrm>
-            <a:off x="1117601" y="19945351"/>
-            <a:ext cx="16992599" cy="6629400"/>
+            <a:off x="1016001" y="17949919"/>
+            <a:ext cx="17094200" cy="8624831"/>
           </a:xfrm>
           <a:prstGeom prst="roundRect">
             <a:avLst>
@@ -3968,7 +4406,7 @@
         </p:nvSpPr>
         <p:spPr bwMode="auto">
           <a:xfrm>
-            <a:off x="6629400" y="11538720"/>
+            <a:off x="6540498" y="10422982"/>
             <a:ext cx="5943601" cy="769441"/>
           </a:xfrm>
           <a:prstGeom prst="rect">
@@ -4016,7 +4454,7 @@
         </p:nvSpPr>
         <p:spPr bwMode="auto">
           <a:xfrm>
-            <a:off x="6375400" y="20040600"/>
+            <a:off x="6210299" y="18022403"/>
             <a:ext cx="6273800" cy="769441"/>
           </a:xfrm>
           <a:prstGeom prst="rect">
@@ -4273,7 +4711,7 @@
         </p:nvSpPr>
         <p:spPr bwMode="auto">
           <a:xfrm>
-            <a:off x="1117602" y="12274436"/>
+            <a:off x="1092202" y="11311542"/>
             <a:ext cx="16951428" cy="1631216"/>
           </a:xfrm>
           <a:prstGeom prst="rect">
@@ -4399,102 +4837,6 @@
       <p:pic>
         <p:nvPicPr>
           <p:cNvPr id="2" name="Picture 1"/>
-          <p:cNvPicPr>
-            <a:picLocks noChangeAspect="1"/>
-          </p:cNvPicPr>
-          <p:nvPr/>
-        </p:nvPicPr>
-        <p:blipFill>
-          <a:blip r:embed="rId3">
-            <a:extLst>
-              <a:ext uri="{28A0092B-C50C-407E-A947-70E740481C1C}">
-                <a14:useLocalDpi xmlns:a14="http://schemas.microsoft.com/office/drawing/2010/main" val="0"/>
-              </a:ext>
-            </a:extLst>
-          </a:blip>
-          <a:stretch>
-            <a:fillRect/>
-          </a:stretch>
-        </p:blipFill>
-        <p:spPr>
-          <a:xfrm>
-            <a:off x="30344038" y="487388"/>
-            <a:ext cx="5644133" cy="1778397"/>
-          </a:xfrm>
-          <a:prstGeom prst="rect">
-            <a:avLst/>
-          </a:prstGeom>
-        </p:spPr>
-      </p:pic>
-      <p:sp>
-        <p:nvSpPr>
-          <p:cNvPr id="30" name="Text Box 996"/>
-          <p:cNvSpPr txBox="1">
-            <a:spLocks noChangeArrowheads="1"/>
-          </p:cNvSpPr>
-          <p:nvPr/>
-        </p:nvSpPr>
-        <p:spPr bwMode="auto">
-          <a:xfrm>
-            <a:off x="29895800" y="2265785"/>
-            <a:ext cx="6248400" cy="1200329"/>
-          </a:xfrm>
-          <a:prstGeom prst="rect">
-            <a:avLst/>
-          </a:prstGeom>
-          <a:noFill/>
-          <a:ln w="25400">
-            <a:noFill/>
-            <a:miter lim="800000"/>
-            <a:headEnd/>
-            <a:tailEnd/>
-          </a:ln>
-          <a:effectLst/>
-        </p:spPr>
-        <p:txBody>
-          <a:bodyPr wrap="square">
-            <a:prstTxWarp prst="textNoShape">
-              <a:avLst/>
-            </a:prstTxWarp>
-            <a:spAutoFit/>
-          </a:bodyPr>
-          <a:lstStyle/>
-          <a:p>
-            <a:pPr algn="ctr" defTabSz="3762375"/>
-            <a:r>
-              <a:rPr lang="en-US" altLang="zh-CN" sz="4800" b="1" dirty="0">
-                <a:solidFill>
-                  <a:srgbClr val="005030"/>
-                </a:solidFill>
-                <a:latin typeface="Arial" pitchFamily="-65" charset="0"/>
-                <a:ea typeface="宋体" pitchFamily="-65" charset="-122"/>
-                <a:cs typeface="宋体" pitchFamily="-65" charset="-122"/>
-              </a:rPr>
-              <a:t>Poster No:</a:t>
-            </a:r>
-            <a:r>
-              <a:rPr lang="en-US" altLang="zh-CN" b="1" dirty="0">
-                <a:solidFill>
-                  <a:srgbClr val="005030"/>
-                </a:solidFill>
-                <a:latin typeface="Arial" pitchFamily="-65" charset="0"/>
-                <a:ea typeface="宋体" pitchFamily="-65" charset="-122"/>
-                <a:cs typeface="宋体" pitchFamily="-65" charset="-122"/>
-              </a:rPr>
-              <a:t> 07</a:t>
-            </a:r>
-          </a:p>
-        </p:txBody>
-      </p:sp>
-      <p:pic>
-        <p:nvPicPr>
-          <p:cNvPr id="4" name="Picture 3">
-            <a:extLst>
-              <a:ext uri="{FF2B5EF4-FFF2-40B4-BE49-F238E27FC236}">
-                <a16:creationId xmlns:a16="http://schemas.microsoft.com/office/drawing/2014/main" id="{3A29B898-6BD3-074D-8F5A-FA9FB35EF8D4}"/>
-              </a:ext>
-            </a:extLst>
-          </p:cNvPr>
           <p:cNvPicPr>
             <a:picLocks noChangeAspect="1"/>
           </p:cNvPicPr>
@@ -4514,302 +4856,20 @@
         </p:blipFill>
         <p:spPr>
           <a:xfrm>
-            <a:off x="1367588" y="14077102"/>
-            <a:ext cx="6811210" cy="3196303"/>
+            <a:off x="30344038" y="487388"/>
+            <a:ext cx="5644133" cy="1778397"/>
           </a:xfrm>
           <a:prstGeom prst="rect">
             <a:avLst/>
           </a:prstGeom>
         </p:spPr>
       </p:pic>
-      <p:sp>
-        <p:nvSpPr>
-          <p:cNvPr id="12" name="TextBox 11">
+      <p:pic>
+        <p:nvPicPr>
+          <p:cNvPr id="4" name="Picture 3">
             <a:extLst>
               <a:ext uri="{FF2B5EF4-FFF2-40B4-BE49-F238E27FC236}">
-                <a16:creationId xmlns:a16="http://schemas.microsoft.com/office/drawing/2014/main" id="{5E872871-4821-4E4D-AF5E-A7765DC865E4}"/>
-              </a:ext>
-            </a:extLst>
-          </p:cNvPr>
-          <p:cNvSpPr txBox="1"/>
-          <p:nvPr/>
-        </p:nvSpPr>
-        <p:spPr>
-          <a:xfrm>
-            <a:off x="8458199" y="14244092"/>
-            <a:ext cx="9509230" cy="2554545"/>
-          </a:xfrm>
-          <a:prstGeom prst="rect">
-            <a:avLst/>
-          </a:prstGeom>
-          <a:noFill/>
-        </p:spPr>
-        <p:txBody>
-          <a:bodyPr wrap="square" rtlCol="0">
-            <a:spAutoFit/>
-          </a:bodyPr>
-          <a:lstStyle/>
-          <a:p>
-            <a:r>
-              <a:rPr lang="en-US" sz="2000" dirty="0">
-                <a:latin typeface="Arial" panose="020B0604020202020204" pitchFamily="34" charset="0"/>
-                <a:cs typeface="Arial" panose="020B0604020202020204" pitchFamily="34" charset="0"/>
-              </a:rPr>
-              <a:t>1: </a:t>
-            </a:r>
-            <a:r>
-              <a:rPr lang="en-US" sz="2000" b="1" dirty="0">
-                <a:latin typeface="Arial" panose="020B0604020202020204" pitchFamily="34" charset="0"/>
-                <a:cs typeface="Arial" panose="020B0604020202020204" pitchFamily="34" charset="0"/>
-              </a:rPr>
-              <a:t>OPQ Box </a:t>
-            </a:r>
-            <a:r>
-              <a:rPr lang="en-US" sz="2000" dirty="0">
-                <a:latin typeface="Arial" panose="020B0604020202020204" pitchFamily="34" charset="0"/>
-                <a:cs typeface="Arial" panose="020B0604020202020204" pitchFamily="34" charset="0"/>
-              </a:rPr>
-              <a:t>is a hardware device that detects the electrical waveform from a standard residential outlet.</a:t>
-            </a:r>
-          </a:p>
-          <a:p>
-            <a:r>
-              <a:rPr lang="en-US" sz="2000" dirty="0">
-                <a:latin typeface="Arial" panose="020B0604020202020204" pitchFamily="34" charset="0"/>
-                <a:cs typeface="Arial" panose="020B0604020202020204" pitchFamily="34" charset="0"/>
-              </a:rPr>
-              <a:t>2: </a:t>
-            </a:r>
-            <a:r>
-              <a:rPr lang="en-US" sz="2000" b="1" dirty="0">
-                <a:latin typeface="Arial" panose="020B0604020202020204" pitchFamily="34" charset="0"/>
-                <a:cs typeface="Arial" panose="020B0604020202020204" pitchFamily="34" charset="0"/>
-              </a:rPr>
-              <a:t>OPQ Makai </a:t>
-            </a:r>
-            <a:r>
-              <a:rPr lang="en-US" sz="2000" dirty="0">
-                <a:latin typeface="Arial" panose="020B0604020202020204" pitchFamily="34" charset="0"/>
-                <a:cs typeface="Arial" panose="020B0604020202020204" pitchFamily="34" charset="0"/>
-              </a:rPr>
-              <a:t>monitors incoming low fidelity data from OPQ Boxes, requests high fidelity data when necessary, and stores the results in a MongoDB database.</a:t>
-            </a:r>
-          </a:p>
-          <a:p>
-            <a:r>
-              <a:rPr lang="en-US" sz="2000" dirty="0">
-                <a:latin typeface="Arial" panose="020B0604020202020204" pitchFamily="34" charset="0"/>
-                <a:cs typeface="Arial" panose="020B0604020202020204" pitchFamily="34" charset="0"/>
-              </a:rPr>
-              <a:t>3: </a:t>
-            </a:r>
-            <a:r>
-              <a:rPr lang="en-US" sz="2000" b="1" dirty="0">
-                <a:latin typeface="Arial" panose="020B0604020202020204" pitchFamily="34" charset="0"/>
-                <a:cs typeface="Arial" panose="020B0604020202020204" pitchFamily="34" charset="0"/>
-              </a:rPr>
-              <a:t>OPQ </a:t>
-            </a:r>
-            <a:r>
-              <a:rPr lang="en-US" sz="2000" b="1" dirty="0" err="1">
-                <a:latin typeface="Arial" panose="020B0604020202020204" pitchFamily="34" charset="0"/>
-                <a:cs typeface="Arial" panose="020B0604020202020204" pitchFamily="34" charset="0"/>
-              </a:rPr>
-              <a:t>Mauka</a:t>
-            </a:r>
-            <a:r>
-              <a:rPr lang="en-US" sz="2000" b="1" dirty="0">
-                <a:latin typeface="Arial" panose="020B0604020202020204" pitchFamily="34" charset="0"/>
-                <a:cs typeface="Arial" panose="020B0604020202020204" pitchFamily="34" charset="0"/>
-              </a:rPr>
-              <a:t> </a:t>
-            </a:r>
-            <a:r>
-              <a:rPr lang="en-US" sz="2000" dirty="0">
-                <a:latin typeface="Arial" panose="020B0604020202020204" pitchFamily="34" charset="0"/>
-                <a:cs typeface="Arial" panose="020B0604020202020204" pitchFamily="34" charset="0"/>
-              </a:rPr>
-              <a:t>analyzes data and creates “events” when it detects power quality incidents.</a:t>
-            </a:r>
-          </a:p>
-          <a:p>
-            <a:r>
-              <a:rPr lang="en-US" sz="2000" dirty="0">
-                <a:latin typeface="Arial" panose="020B0604020202020204" pitchFamily="34" charset="0"/>
-                <a:cs typeface="Arial" panose="020B0604020202020204" pitchFamily="34" charset="0"/>
-              </a:rPr>
-              <a:t>4: </a:t>
-            </a:r>
-            <a:r>
-              <a:rPr lang="en-US" sz="2000" b="1" dirty="0">
-                <a:latin typeface="Arial" panose="020B0604020202020204" pitchFamily="34" charset="0"/>
-                <a:cs typeface="Arial" panose="020B0604020202020204" pitchFamily="34" charset="0"/>
-              </a:rPr>
-              <a:t>OPQ View </a:t>
-            </a:r>
-            <a:r>
-              <a:rPr lang="en-US" sz="2000" dirty="0">
-                <a:latin typeface="Arial" panose="020B0604020202020204" pitchFamily="34" charset="0"/>
-                <a:cs typeface="Arial" panose="020B0604020202020204" pitchFamily="34" charset="0"/>
-              </a:rPr>
-              <a:t>is a visualization platform for displaying the results for data capture and analysis.</a:t>
-            </a:r>
-          </a:p>
-        </p:txBody>
-      </p:sp>
-      <p:sp>
-        <p:nvSpPr>
-          <p:cNvPr id="26" name="TextBox 25">
-            <a:extLst>
-              <a:ext uri="{FF2B5EF4-FFF2-40B4-BE49-F238E27FC236}">
-                <a16:creationId xmlns:a16="http://schemas.microsoft.com/office/drawing/2014/main" id="{4A340242-DD35-DD46-A755-8B89AB132E24}"/>
-              </a:ext>
-            </a:extLst>
-          </p:cNvPr>
-          <p:cNvSpPr txBox="1"/>
-          <p:nvPr/>
-        </p:nvSpPr>
-        <p:spPr>
-          <a:xfrm>
-            <a:off x="1153695" y="17444854"/>
-            <a:ext cx="16813734" cy="2246769"/>
-          </a:xfrm>
-          <a:prstGeom prst="rect">
-            <a:avLst/>
-          </a:prstGeom>
-          <a:noFill/>
-        </p:spPr>
-        <p:txBody>
-          <a:bodyPr wrap="square" rtlCol="0">
-            <a:spAutoFit/>
-          </a:bodyPr>
-          <a:lstStyle/>
-          <a:p>
-            <a:r>
-              <a:rPr lang="en-US" sz="2000" dirty="0">
-                <a:latin typeface="Arial" panose="020B0604020202020204" pitchFamily="34" charset="0"/>
-                <a:cs typeface="Arial" panose="020B0604020202020204" pitchFamily="34" charset="0"/>
-              </a:rPr>
-              <a:t>    The image above illustrates how the four components of the OPQ system work together to collect information from wall outlets to the display and analyses in a browser.</a:t>
-            </a:r>
-          </a:p>
-          <a:p>
-            <a:r>
-              <a:rPr lang="en-US" sz="2000" dirty="0">
-                <a:latin typeface="Arial" panose="020B0604020202020204" pitchFamily="34" charset="0"/>
-                <a:cs typeface="Arial" panose="020B0604020202020204" pitchFamily="34" charset="0"/>
-              </a:rPr>
-              <a:t>    OPQ Makai, OPQ </a:t>
-            </a:r>
-            <a:r>
-              <a:rPr lang="en-US" sz="2000" dirty="0" err="1">
-                <a:latin typeface="Arial" panose="020B0604020202020204" pitchFamily="34" charset="0"/>
-                <a:cs typeface="Arial" panose="020B0604020202020204" pitchFamily="34" charset="0"/>
-              </a:rPr>
-              <a:t>Mauka</a:t>
-            </a:r>
-            <a:r>
-              <a:rPr lang="en-US" sz="2000" dirty="0">
-                <a:latin typeface="Arial" panose="020B0604020202020204" pitchFamily="34" charset="0"/>
-                <a:cs typeface="Arial" panose="020B0604020202020204" pitchFamily="34" charset="0"/>
-              </a:rPr>
-              <a:t>, and OPQ View are all cloud-based software services that collectively form a single "instance" with respect to data transmission, storage, analysis, and visualization. We refer to this collection of software-side components as OPQ Cloud. Every OPQ Box connects to a single instance of an OPQ Cloud. It is possible to have multiple OPQ Cloud instances. For example, a company might install an OPQ Cloud instance behind their firewall along with OPQ Boxes to provide a private mechanism for collecting and analyzing power quality data.</a:t>
-            </a:r>
-            <a:endParaRPr lang="en-US" sz="2000" b="1" dirty="0">
-              <a:latin typeface="Arial" panose="020B0604020202020204" pitchFamily="34" charset="0"/>
-              <a:cs typeface="Arial" panose="020B0604020202020204" pitchFamily="34" charset="0"/>
-            </a:endParaRPr>
-          </a:p>
-          <a:p>
-            <a:endParaRPr lang="en-US" sz="2000" dirty="0">
-              <a:latin typeface="Arial" panose="020B0604020202020204" pitchFamily="34" charset="0"/>
-              <a:cs typeface="Arial" panose="020B0604020202020204" pitchFamily="34" charset="0"/>
-            </a:endParaRPr>
-          </a:p>
-        </p:txBody>
-      </p:sp>
-      <p:sp>
-        <p:nvSpPr>
-          <p:cNvPr id="31" name="TextBox 30">
-            <a:extLst>
-              <a:ext uri="{FF2B5EF4-FFF2-40B4-BE49-F238E27FC236}">
-                <a16:creationId xmlns:a16="http://schemas.microsoft.com/office/drawing/2014/main" id="{0C7721AD-783E-CC4A-85A6-92D6E0A99403}"/>
-              </a:ext>
-            </a:extLst>
-          </p:cNvPr>
-          <p:cNvSpPr txBox="1"/>
-          <p:nvPr/>
-        </p:nvSpPr>
-        <p:spPr>
-          <a:xfrm>
-            <a:off x="1117600" y="20999248"/>
-            <a:ext cx="12813747" cy="400110"/>
-          </a:xfrm>
-          <a:prstGeom prst="rect">
-            <a:avLst/>
-          </a:prstGeom>
-          <a:noFill/>
-        </p:spPr>
-        <p:txBody>
-          <a:bodyPr wrap="square" rtlCol="0">
-            <a:spAutoFit/>
-          </a:bodyPr>
-          <a:lstStyle/>
-          <a:p>
-            <a:r>
-              <a:rPr lang="en-US" sz="2000" b="1" dirty="0">
-                <a:latin typeface="Arial" panose="020B0604020202020204" pitchFamily="34" charset="0"/>
-                <a:cs typeface="Arial" panose="020B0604020202020204" pitchFamily="34" charset="0"/>
-              </a:rPr>
-              <a:t>OPQ Box Design:  </a:t>
-            </a:r>
-          </a:p>
-        </p:txBody>
-      </p:sp>
-      <p:sp>
-        <p:nvSpPr>
-          <p:cNvPr id="36" name="TextBox 35">
-            <a:extLst>
-              <a:ext uri="{FF2B5EF4-FFF2-40B4-BE49-F238E27FC236}">
-                <a16:creationId xmlns:a16="http://schemas.microsoft.com/office/drawing/2014/main" id="{18513D89-2CCC-0F4C-A09E-E8801E62794C}"/>
-              </a:ext>
-            </a:extLst>
-          </p:cNvPr>
-          <p:cNvSpPr txBox="1"/>
-          <p:nvPr/>
-        </p:nvSpPr>
-        <p:spPr>
-          <a:xfrm>
-            <a:off x="1092202" y="23313102"/>
-            <a:ext cx="12780617" cy="400110"/>
-          </a:xfrm>
-          <a:prstGeom prst="rect">
-            <a:avLst/>
-          </a:prstGeom>
-          <a:noFill/>
-        </p:spPr>
-        <p:txBody>
-          <a:bodyPr wrap="square" rtlCol="0">
-            <a:spAutoFit/>
-          </a:bodyPr>
-          <a:lstStyle/>
-          <a:p>
-            <a:r>
-              <a:rPr lang="en-US" sz="2000" b="1" dirty="0">
-                <a:latin typeface="Arial" panose="020B0604020202020204" pitchFamily="34" charset="0"/>
-                <a:cs typeface="Arial" panose="020B0604020202020204" pitchFamily="34" charset="0"/>
-              </a:rPr>
-              <a:t>OPQ Cloud Design:  </a:t>
-            </a:r>
-          </a:p>
-        </p:txBody>
-      </p:sp>
-      <p:pic>
-        <p:nvPicPr>
-          <p:cNvPr id="33" name="Picture 32">
-            <a:extLst>
-              <a:ext uri="{FF2B5EF4-FFF2-40B4-BE49-F238E27FC236}">
-                <a16:creationId xmlns:a16="http://schemas.microsoft.com/office/drawing/2014/main" id="{4E42413A-4634-0846-BAF0-5C6B5CAF0299}"/>
+                <a16:creationId xmlns:a16="http://schemas.microsoft.com/office/drawing/2014/main" id="{3A29B898-6BD3-074D-8F5A-FA9FB35EF8D4}"/>
               </a:ext>
             </a:extLst>
           </p:cNvPr>
@@ -4832,14 +4892,812 @@
         </p:blipFill>
         <p:spPr>
           <a:xfrm>
-            <a:off x="13931348" y="20810041"/>
-            <a:ext cx="3765378" cy="2377164"/>
+            <a:off x="1243006" y="13161711"/>
+            <a:ext cx="7836620" cy="3677498"/>
           </a:xfrm>
           <a:prstGeom prst="rect">
             <a:avLst/>
           </a:prstGeom>
         </p:spPr>
       </p:pic>
+      <p:sp>
+        <p:nvSpPr>
+          <p:cNvPr id="12" name="TextBox 11">
+            <a:extLst>
+              <a:ext uri="{FF2B5EF4-FFF2-40B4-BE49-F238E27FC236}">
+                <a16:creationId xmlns:a16="http://schemas.microsoft.com/office/drawing/2014/main" id="{5E872871-4821-4E4D-AF5E-A7765DC865E4}"/>
+              </a:ext>
+            </a:extLst>
+          </p:cNvPr>
+          <p:cNvSpPr txBox="1"/>
+          <p:nvPr/>
+        </p:nvSpPr>
+        <p:spPr>
+          <a:xfrm>
+            <a:off x="9306632" y="13196233"/>
+            <a:ext cx="8207240" cy="2862322"/>
+          </a:xfrm>
+          <a:prstGeom prst="rect">
+            <a:avLst/>
+          </a:prstGeom>
+          <a:noFill/>
+        </p:spPr>
+        <p:txBody>
+          <a:bodyPr wrap="square" rtlCol="0">
+            <a:spAutoFit/>
+          </a:bodyPr>
+          <a:lstStyle/>
+          <a:p>
+            <a:r>
+              <a:rPr lang="en-US" sz="2000" dirty="0">
+                <a:latin typeface="Arial" panose="020B0604020202020204" pitchFamily="34" charset="0"/>
+                <a:cs typeface="Arial" panose="020B0604020202020204" pitchFamily="34" charset="0"/>
+              </a:rPr>
+              <a:t>1: </a:t>
+            </a:r>
+            <a:r>
+              <a:rPr lang="en-US" sz="2000" b="1" dirty="0">
+                <a:latin typeface="Arial" panose="020B0604020202020204" pitchFamily="34" charset="0"/>
+                <a:cs typeface="Arial" panose="020B0604020202020204" pitchFamily="34" charset="0"/>
+              </a:rPr>
+              <a:t>OPQ Box </a:t>
+            </a:r>
+            <a:r>
+              <a:rPr lang="en-US" sz="2000" dirty="0">
+                <a:latin typeface="Arial" panose="020B0604020202020204" pitchFamily="34" charset="0"/>
+                <a:cs typeface="Arial" panose="020B0604020202020204" pitchFamily="34" charset="0"/>
+              </a:rPr>
+              <a:t>is a hardware device that detects the electrical waveform from a standard residential outlet.</a:t>
+            </a:r>
+          </a:p>
+          <a:p>
+            <a:r>
+              <a:rPr lang="en-US" sz="2000" dirty="0">
+                <a:latin typeface="Arial" panose="020B0604020202020204" pitchFamily="34" charset="0"/>
+                <a:cs typeface="Arial" panose="020B0604020202020204" pitchFamily="34" charset="0"/>
+              </a:rPr>
+              <a:t>2: </a:t>
+            </a:r>
+            <a:r>
+              <a:rPr lang="en-US" sz="2000" b="1" dirty="0">
+                <a:latin typeface="Arial" panose="020B0604020202020204" pitchFamily="34" charset="0"/>
+                <a:cs typeface="Arial" panose="020B0604020202020204" pitchFamily="34" charset="0"/>
+              </a:rPr>
+              <a:t>OPQ Makai </a:t>
+            </a:r>
+            <a:r>
+              <a:rPr lang="en-US" sz="2000" dirty="0">
+                <a:latin typeface="Arial" panose="020B0604020202020204" pitchFamily="34" charset="0"/>
+                <a:cs typeface="Arial" panose="020B0604020202020204" pitchFamily="34" charset="0"/>
+              </a:rPr>
+              <a:t>monitors incoming low fidelity data from OPQ Boxes, requests high fidelity data when necessary, and stores the results in a MongoDB database.</a:t>
+            </a:r>
+          </a:p>
+          <a:p>
+            <a:r>
+              <a:rPr lang="en-US" sz="2000" dirty="0">
+                <a:latin typeface="Arial" panose="020B0604020202020204" pitchFamily="34" charset="0"/>
+                <a:cs typeface="Arial" panose="020B0604020202020204" pitchFamily="34" charset="0"/>
+              </a:rPr>
+              <a:t>3: </a:t>
+            </a:r>
+            <a:r>
+              <a:rPr lang="en-US" sz="2000" b="1" dirty="0">
+                <a:latin typeface="Arial" panose="020B0604020202020204" pitchFamily="34" charset="0"/>
+                <a:cs typeface="Arial" panose="020B0604020202020204" pitchFamily="34" charset="0"/>
+              </a:rPr>
+              <a:t>OPQ </a:t>
+            </a:r>
+            <a:r>
+              <a:rPr lang="en-US" sz="2000" b="1" dirty="0" err="1">
+                <a:latin typeface="Arial" panose="020B0604020202020204" pitchFamily="34" charset="0"/>
+                <a:cs typeface="Arial" panose="020B0604020202020204" pitchFamily="34" charset="0"/>
+              </a:rPr>
+              <a:t>Mauka</a:t>
+            </a:r>
+            <a:r>
+              <a:rPr lang="en-US" sz="2000" b="1" dirty="0">
+                <a:latin typeface="Arial" panose="020B0604020202020204" pitchFamily="34" charset="0"/>
+                <a:cs typeface="Arial" panose="020B0604020202020204" pitchFamily="34" charset="0"/>
+              </a:rPr>
+              <a:t> </a:t>
+            </a:r>
+            <a:r>
+              <a:rPr lang="en-US" sz="2000" dirty="0">
+                <a:latin typeface="Arial" panose="020B0604020202020204" pitchFamily="34" charset="0"/>
+                <a:cs typeface="Arial" panose="020B0604020202020204" pitchFamily="34" charset="0"/>
+              </a:rPr>
+              <a:t>analyzes data and creates “incidents” when it detects power quality incidents.</a:t>
+            </a:r>
+          </a:p>
+          <a:p>
+            <a:r>
+              <a:rPr lang="en-US" sz="2000" dirty="0">
+                <a:latin typeface="Arial" panose="020B0604020202020204" pitchFamily="34" charset="0"/>
+                <a:cs typeface="Arial" panose="020B0604020202020204" pitchFamily="34" charset="0"/>
+              </a:rPr>
+              <a:t>4: </a:t>
+            </a:r>
+            <a:r>
+              <a:rPr lang="en-US" sz="2000" b="1" dirty="0">
+                <a:latin typeface="Arial" panose="020B0604020202020204" pitchFamily="34" charset="0"/>
+                <a:cs typeface="Arial" panose="020B0604020202020204" pitchFamily="34" charset="0"/>
+              </a:rPr>
+              <a:t>OPQ View </a:t>
+            </a:r>
+            <a:r>
+              <a:rPr lang="en-US" sz="2000" dirty="0">
+                <a:latin typeface="Arial" panose="020B0604020202020204" pitchFamily="34" charset="0"/>
+                <a:cs typeface="Arial" panose="020B0604020202020204" pitchFamily="34" charset="0"/>
+              </a:rPr>
+              <a:t>is a visualization platform for displaying the results for data capture and analysis.</a:t>
+            </a:r>
+          </a:p>
+        </p:txBody>
+      </p:sp>
+      <p:sp>
+        <p:nvSpPr>
+          <p:cNvPr id="26" name="TextBox 25">
+            <a:extLst>
+              <a:ext uri="{FF2B5EF4-FFF2-40B4-BE49-F238E27FC236}">
+                <a16:creationId xmlns:a16="http://schemas.microsoft.com/office/drawing/2014/main" id="{4A340242-DD35-DD46-A755-8B89AB132E24}"/>
+              </a:ext>
+            </a:extLst>
+          </p:cNvPr>
+          <p:cNvSpPr txBox="1"/>
+          <p:nvPr/>
+        </p:nvSpPr>
+        <p:spPr>
+          <a:xfrm>
+            <a:off x="1127761" y="16894383"/>
+            <a:ext cx="16813734" cy="707886"/>
+          </a:xfrm>
+          <a:prstGeom prst="rect">
+            <a:avLst/>
+          </a:prstGeom>
+          <a:noFill/>
+        </p:spPr>
+        <p:txBody>
+          <a:bodyPr wrap="square" rtlCol="0">
+            <a:spAutoFit/>
+          </a:bodyPr>
+          <a:lstStyle/>
+          <a:p>
+            <a:r>
+              <a:rPr lang="en-US" sz="2000" dirty="0">
+                <a:latin typeface="Arial" panose="020B0604020202020204" pitchFamily="34" charset="0"/>
+                <a:cs typeface="Arial" panose="020B0604020202020204" pitchFamily="34" charset="0"/>
+              </a:rPr>
+              <a:t>    The image above illustrates how the four components of the OPQ system work together to collect information from wall outlets to the display and analyses in a browser.</a:t>
+            </a:r>
+          </a:p>
+        </p:txBody>
+      </p:sp>
+      <mc:AlternateContent xmlns:mc="http://schemas.openxmlformats.org/markup-compatibility/2006">
+        <mc:Choice xmlns:a14="http://schemas.microsoft.com/office/drawing/2010/main" Requires="a14">
+          <p:sp>
+            <p:nvSpPr>
+              <p:cNvPr id="31" name="TextBox 30">
+                <a:extLst>
+                  <a:ext uri="{FF2B5EF4-FFF2-40B4-BE49-F238E27FC236}">
+                    <a16:creationId xmlns:a16="http://schemas.microsoft.com/office/drawing/2014/main" id="{0C7721AD-783E-CC4A-85A6-92D6E0A99403}"/>
+                  </a:ext>
+                </a:extLst>
+              </p:cNvPr>
+              <p:cNvSpPr txBox="1"/>
+              <p:nvPr/>
+            </p:nvSpPr>
+            <p:spPr>
+              <a:xfrm>
+                <a:off x="1207033" y="18841249"/>
+                <a:ext cx="12853993" cy="1938992"/>
+              </a:xfrm>
+              <a:prstGeom prst="rect">
+                <a:avLst/>
+              </a:prstGeom>
+              <a:noFill/>
+            </p:spPr>
+            <p:txBody>
+              <a:bodyPr wrap="square" rtlCol="0">
+                <a:spAutoFit/>
+              </a:bodyPr>
+              <a:lstStyle/>
+              <a:p>
+                <a:r>
+                  <a:rPr lang="en-US" sz="2000" b="1" dirty="0">
+                    <a:latin typeface="Arial" panose="020B0604020202020204" pitchFamily="34" charset="0"/>
+                    <a:cs typeface="Arial" panose="020B0604020202020204" pitchFamily="34" charset="0"/>
+                  </a:rPr>
+                  <a:t>OPQ Box Design:  </a:t>
+                </a:r>
+              </a:p>
+              <a:p>
+                <a:r>
+                  <a:rPr lang="en-US" sz="2000" b="1" dirty="0">
+                    <a:latin typeface="Arial" panose="020B0604020202020204" pitchFamily="34" charset="0"/>
+                    <a:cs typeface="Arial" panose="020B0604020202020204" pitchFamily="34" charset="0"/>
+                  </a:rPr>
+                  <a:t>    </a:t>
+                </a:r>
+                <a:r>
+                  <a:rPr lang="en-US" sz="2000" dirty="0">
+                    <a:latin typeface="Arial" panose="020B0604020202020204" pitchFamily="34" charset="0"/>
+                    <a:cs typeface="Arial" panose="020B0604020202020204" pitchFamily="34" charset="0"/>
+                  </a:rPr>
+                  <a:t>The goal of </a:t>
+                </a:r>
+                <a:r>
+                  <a:rPr lang="en-US" sz="2000" dirty="0" err="1">
+                    <a:latin typeface="Arial" panose="020B0604020202020204" pitchFamily="34" charset="0"/>
+                    <a:cs typeface="Arial" panose="020B0604020202020204" pitchFamily="34" charset="0"/>
+                  </a:rPr>
+                  <a:t>OPQBox</a:t>
+                </a:r>
+                <a:r>
+                  <a:rPr lang="en-US" sz="2000" dirty="0">
+                    <a:latin typeface="Arial" panose="020B0604020202020204" pitchFamily="34" charset="0"/>
+                    <a:cs typeface="Arial" panose="020B0604020202020204" pitchFamily="34" charset="0"/>
+                  </a:rPr>
+                  <a:t> is to monitor voltage, frequency, THD, and Transients. It accomplishes this by sampling the waveform 256 times per cycle.</a:t>
+                </a:r>
+              </a:p>
+              <a:p>
+                <a:r>
+                  <a:rPr lang="en-US" sz="2000" dirty="0">
+                    <a:latin typeface="Arial" panose="020B0604020202020204" pitchFamily="34" charset="0"/>
+                    <a:cs typeface="Arial" panose="020B0604020202020204" pitchFamily="34" charset="0"/>
+                  </a:rPr>
+                  <a:t>    When a power quality disturbance is detected, </a:t>
+                </a:r>
+                <a:r>
+                  <a:rPr lang="en-US" sz="2000" dirty="0" err="1">
+                    <a:latin typeface="Arial" panose="020B0604020202020204" pitchFamily="34" charset="0"/>
+                    <a:cs typeface="Arial" panose="020B0604020202020204" pitchFamily="34" charset="0"/>
+                  </a:rPr>
+                  <a:t>OPQBox</a:t>
+                </a:r>
+                <a:r>
+                  <a:rPr lang="en-US" sz="2000" dirty="0">
+                    <a:latin typeface="Arial" panose="020B0604020202020204" pitchFamily="34" charset="0"/>
+                    <a:cs typeface="Arial" panose="020B0604020202020204" pitchFamily="34" charset="0"/>
+                  </a:rPr>
+                  <a:t> can transmit high fidelity voltage and frequency data to </a:t>
+                </a:r>
+                <a:r>
+                  <a:rPr lang="en-US" sz="2000" dirty="0" err="1">
+                    <a:latin typeface="Arial" panose="020B0604020202020204" pitchFamily="34" charset="0"/>
+                    <a:cs typeface="Arial" panose="020B0604020202020204" pitchFamily="34" charset="0"/>
+                  </a:rPr>
+                  <a:t>OPQHub</a:t>
+                </a:r>
+                <a:r>
+                  <a:rPr lang="en-US" sz="2000" dirty="0">
+                    <a:latin typeface="Arial" panose="020B0604020202020204" pitchFamily="34" charset="0"/>
+                    <a:cs typeface="Arial" panose="020B0604020202020204" pitchFamily="34" charset="0"/>
+                  </a:rPr>
+                  <a:t>. </a:t>
+                </a:r>
+                <a:r>
+                  <a:rPr lang="en-US" sz="2000" dirty="0" err="1">
+                    <a:latin typeface="Arial" panose="020B0604020202020204" pitchFamily="34" charset="0"/>
+                    <a:cs typeface="Arial" panose="020B0604020202020204" pitchFamily="34" charset="0"/>
+                  </a:rPr>
+                  <a:t>OPQBox</a:t>
+                </a:r>
+                <a:r>
+                  <a:rPr lang="en-US" sz="2000" dirty="0">
+                    <a:latin typeface="Arial" panose="020B0604020202020204" pitchFamily="34" charset="0"/>
+                    <a:cs typeface="Arial" panose="020B0604020202020204" pitchFamily="34" charset="0"/>
+                  </a:rPr>
+                  <a:t> transmits data on fundamental frequency and </a:t>
+                </a:r>
+                <a14:m>
+                  <m:oMath xmlns:m="http://schemas.openxmlformats.org/officeDocument/2006/math">
+                    <m:sSub>
+                      <m:sSubPr>
+                        <m:ctrlPr>
+                          <a:rPr lang="en-US" sz="2000" i="1">
+                            <a:latin typeface="Cambria Math" panose="02040503050406030204" pitchFamily="18" charset="0"/>
+                          </a:rPr>
+                        </m:ctrlPr>
+                      </m:sSubPr>
+                      <m:e>
+                        <m:r>
+                          <a:rPr lang="en-US" sz="2000" i="1">
+                            <a:latin typeface="Cambria Math" panose="02040503050406030204" pitchFamily="18" charset="0"/>
+                          </a:rPr>
+                          <m:t>𝑉</m:t>
+                        </m:r>
+                      </m:e>
+                      <m:sub>
+                        <m:r>
+                          <a:rPr lang="en-US" sz="2000" i="1">
+                            <a:latin typeface="Cambria Math" panose="02040503050406030204" pitchFamily="18" charset="0"/>
+                          </a:rPr>
+                          <m:t>𝑟𝑚𝑠</m:t>
+                        </m:r>
+                      </m:sub>
+                    </m:sSub>
+                  </m:oMath>
+                </a14:m>
+                <a:r>
+                  <a:rPr lang="en-US" sz="2000" dirty="0">
+                    <a:latin typeface="Arial" panose="020B0604020202020204" pitchFamily="34" charset="0"/>
+                    <a:cs typeface="Arial" panose="020B0604020202020204" pitchFamily="34" charset="0"/>
+                  </a:rPr>
+                  <a:t> to the Makai service for storage and analysis. </a:t>
+                </a:r>
+                <a:endParaRPr lang="en-US" sz="2000" b="1" dirty="0">
+                  <a:latin typeface="Arial" panose="020B0604020202020204" pitchFamily="34" charset="0"/>
+                  <a:cs typeface="Arial" panose="020B0604020202020204" pitchFamily="34" charset="0"/>
+                </a:endParaRPr>
+              </a:p>
+            </p:txBody>
+          </p:sp>
+        </mc:Choice>
+        <mc:Fallback>
+          <p:sp>
+            <p:nvSpPr>
+              <p:cNvPr id="31" name="TextBox 30">
+                <a:extLst>
+                  <a:ext uri="{FF2B5EF4-FFF2-40B4-BE49-F238E27FC236}">
+                    <a16:creationId xmlns:a16="http://schemas.microsoft.com/office/drawing/2014/main" id="{0C7721AD-783E-CC4A-85A6-92D6E0A99403}"/>
+                  </a:ext>
+                </a:extLst>
+              </p:cNvPr>
+              <p:cNvSpPr txBox="1">
+                <a:spLocks noRot="1" noChangeAspect="1" noMove="1" noResize="1" noEditPoints="1" noAdjustHandles="1" noChangeArrowheads="1" noChangeShapeType="1" noTextEdit="1"/>
+              </p:cNvSpPr>
+              <p:nvPr/>
+            </p:nvSpPr>
+            <p:spPr>
+              <a:xfrm>
+                <a:off x="1207033" y="18841249"/>
+                <a:ext cx="12853993" cy="1938992"/>
+              </a:xfrm>
+              <a:prstGeom prst="rect">
+                <a:avLst/>
+              </a:prstGeom>
+              <a:blipFill>
+                <a:blip r:embed="rId6"/>
+                <a:stretch>
+                  <a:fillRect l="-395" t="-1961" b="-4575"/>
+                </a:stretch>
+              </a:blipFill>
+            </p:spPr>
+            <p:txBody>
+              <a:bodyPr/>
+              <a:lstStyle/>
+              <a:p>
+                <a:r>
+                  <a:rPr lang="en-US">
+                    <a:noFill/>
+                  </a:rPr>
+                  <a:t> </a:t>
+                </a:r>
+              </a:p>
+            </p:txBody>
+          </p:sp>
+        </mc:Fallback>
+      </mc:AlternateContent>
+      <p:pic>
+        <p:nvPicPr>
+          <p:cNvPr id="33" name="Picture 32">
+            <a:extLst>
+              <a:ext uri="{FF2B5EF4-FFF2-40B4-BE49-F238E27FC236}">
+                <a16:creationId xmlns:a16="http://schemas.microsoft.com/office/drawing/2014/main" id="{4E42413A-4634-0846-BAF0-5C6B5CAF0299}"/>
+              </a:ext>
+            </a:extLst>
+          </p:cNvPr>
+          <p:cNvPicPr>
+            <a:picLocks noChangeAspect="1"/>
+          </p:cNvPicPr>
+          <p:nvPr/>
+        </p:nvPicPr>
+        <p:blipFill>
+          <a:blip r:embed="rId7">
+            <a:extLst>
+              <a:ext uri="{28A0092B-C50C-407E-A947-70E740481C1C}">
+                <a14:useLocalDpi xmlns:a14="http://schemas.microsoft.com/office/drawing/2010/main" val="0"/>
+              </a:ext>
+            </a:extLst>
+          </a:blip>
+          <a:stretch>
+            <a:fillRect/>
+          </a:stretch>
+        </p:blipFill>
+        <p:spPr>
+          <a:xfrm>
+            <a:off x="13901453" y="18156835"/>
+            <a:ext cx="4014642" cy="2534530"/>
+          </a:xfrm>
+          <a:prstGeom prst="rect">
+            <a:avLst/>
+          </a:prstGeom>
+        </p:spPr>
+      </p:pic>
+      <p:pic>
+        <p:nvPicPr>
+          <p:cNvPr id="27" name="Picture 26">
+            <a:extLst>
+              <a:ext uri="{FF2B5EF4-FFF2-40B4-BE49-F238E27FC236}">
+                <a16:creationId xmlns:a16="http://schemas.microsoft.com/office/drawing/2014/main" id="{149AFABA-CB6E-4B40-8F3B-51F5D05DFBD3}"/>
+              </a:ext>
+            </a:extLst>
+          </p:cNvPr>
+          <p:cNvPicPr>
+            <a:picLocks noChangeAspect="1"/>
+          </p:cNvPicPr>
+          <p:nvPr/>
+        </p:nvPicPr>
+        <p:blipFill>
+          <a:blip r:embed="rId8">
+            <a:extLst>
+              <a:ext uri="{28A0092B-C50C-407E-A947-70E740481C1C}">
+                <a14:useLocalDpi xmlns:a14="http://schemas.microsoft.com/office/drawing/2010/main" val="0"/>
+              </a:ext>
+            </a:extLst>
+          </a:blip>
+          <a:stretch>
+            <a:fillRect/>
+          </a:stretch>
+        </p:blipFill>
+        <p:spPr>
+          <a:xfrm>
+            <a:off x="7864321" y="22117111"/>
+            <a:ext cx="4850058" cy="3792065"/>
+          </a:xfrm>
+          <a:prstGeom prst="rect">
+            <a:avLst/>
+          </a:prstGeom>
+        </p:spPr>
+      </p:pic>
+      <p:pic>
+        <p:nvPicPr>
+          <p:cNvPr id="32" name="Picture 31">
+            <a:extLst>
+              <a:ext uri="{FF2B5EF4-FFF2-40B4-BE49-F238E27FC236}">
+                <a16:creationId xmlns:a16="http://schemas.microsoft.com/office/drawing/2014/main" id="{5276863E-5AC5-804A-9210-9F24897F21E9}"/>
+              </a:ext>
+            </a:extLst>
+          </p:cNvPr>
+          <p:cNvPicPr>
+            <a:picLocks noChangeAspect="1"/>
+          </p:cNvPicPr>
+          <p:nvPr/>
+        </p:nvPicPr>
+        <p:blipFill>
+          <a:blip r:embed="rId9">
+            <a:extLst>
+              <a:ext uri="{28A0092B-C50C-407E-A947-70E740481C1C}">
+                <a14:useLocalDpi xmlns:a14="http://schemas.microsoft.com/office/drawing/2010/main" val="0"/>
+              </a:ext>
+            </a:extLst>
+          </a:blip>
+          <a:stretch>
+            <a:fillRect/>
+          </a:stretch>
+        </p:blipFill>
+        <p:spPr>
+          <a:xfrm>
+            <a:off x="1218300" y="22774355"/>
+            <a:ext cx="6027954" cy="3219289"/>
+          </a:xfrm>
+          <a:prstGeom prst="rect">
+            <a:avLst/>
+          </a:prstGeom>
+        </p:spPr>
+      </p:pic>
+      <p:pic>
+        <p:nvPicPr>
+          <p:cNvPr id="35" name="Picture 34">
+            <a:extLst>
+              <a:ext uri="{FF2B5EF4-FFF2-40B4-BE49-F238E27FC236}">
+                <a16:creationId xmlns:a16="http://schemas.microsoft.com/office/drawing/2014/main" id="{9695FA24-C721-2E45-888C-94F5C580DC91}"/>
+              </a:ext>
+            </a:extLst>
+          </p:cNvPr>
+          <p:cNvPicPr>
+            <a:picLocks noChangeAspect="1"/>
+          </p:cNvPicPr>
+          <p:nvPr/>
+        </p:nvPicPr>
+        <p:blipFill>
+          <a:blip r:embed="rId10">
+            <a:extLst>
+              <a:ext uri="{28A0092B-C50C-407E-A947-70E740481C1C}">
+                <a14:useLocalDpi xmlns:a14="http://schemas.microsoft.com/office/drawing/2010/main" val="0"/>
+              </a:ext>
+            </a:extLst>
+          </a:blip>
+          <a:stretch>
+            <a:fillRect/>
+          </a:stretch>
+        </p:blipFill>
+        <p:spPr>
+          <a:xfrm>
+            <a:off x="13636906" y="22083244"/>
+            <a:ext cx="4124418" cy="3737008"/>
+          </a:xfrm>
+          <a:prstGeom prst="rect">
+            <a:avLst/>
+          </a:prstGeom>
+        </p:spPr>
+      </p:pic>
+      <p:sp>
+        <p:nvSpPr>
+          <p:cNvPr id="37" name="TextBox 36">
+            <a:extLst>
+              <a:ext uri="{FF2B5EF4-FFF2-40B4-BE49-F238E27FC236}">
+                <a16:creationId xmlns:a16="http://schemas.microsoft.com/office/drawing/2014/main" id="{A37D7FE6-19A0-084F-8940-55648DBF10FE}"/>
+              </a:ext>
+            </a:extLst>
+          </p:cNvPr>
+          <p:cNvSpPr txBox="1"/>
+          <p:nvPr/>
+        </p:nvSpPr>
+        <p:spPr>
+          <a:xfrm>
+            <a:off x="4629978" y="14275436"/>
+            <a:ext cx="762000" cy="246221"/>
+          </a:xfrm>
+          <a:prstGeom prst="rect">
+            <a:avLst/>
+          </a:prstGeom>
+          <a:noFill/>
+        </p:spPr>
+        <p:txBody>
+          <a:bodyPr wrap="square" rtlCol="0">
+            <a:spAutoFit/>
+          </a:bodyPr>
+          <a:lstStyle/>
+          <a:p>
+            <a:r>
+              <a:rPr lang="en-US" sz="1000" dirty="0">
+                <a:solidFill>
+                  <a:srgbClr val="FF0000"/>
+                </a:solidFill>
+              </a:rPr>
+              <a:t>Incidents</a:t>
+            </a:r>
+          </a:p>
+        </p:txBody>
+      </p:sp>
+      <p:sp>
+        <p:nvSpPr>
+          <p:cNvPr id="38" name="Rectangle 37">
+            <a:extLst>
+              <a:ext uri="{FF2B5EF4-FFF2-40B4-BE49-F238E27FC236}">
+                <a16:creationId xmlns:a16="http://schemas.microsoft.com/office/drawing/2014/main" id="{2375FDA1-27C5-BC4D-9ABC-2F6E1E4C154E}"/>
+              </a:ext>
+            </a:extLst>
+          </p:cNvPr>
+          <p:cNvSpPr/>
+          <p:nvPr/>
+        </p:nvSpPr>
+        <p:spPr>
+          <a:xfrm>
+            <a:off x="4648200" y="14220262"/>
+            <a:ext cx="457200" cy="114820"/>
+          </a:xfrm>
+          <a:prstGeom prst="rect">
+            <a:avLst/>
+          </a:prstGeom>
+          <a:solidFill>
+            <a:schemeClr val="bg1"/>
+          </a:solidFill>
+          <a:ln>
+            <a:solidFill>
+              <a:schemeClr val="bg1"/>
+            </a:solidFill>
+          </a:ln>
+        </p:spPr>
+        <p:style>
+          <a:lnRef idx="2">
+            <a:schemeClr val="accent1">
+              <a:shade val="50000"/>
+            </a:schemeClr>
+          </a:lnRef>
+          <a:fillRef idx="1">
+            <a:schemeClr val="accent1"/>
+          </a:fillRef>
+          <a:effectRef idx="0">
+            <a:schemeClr val="accent1"/>
+          </a:effectRef>
+          <a:fontRef idx="minor">
+            <a:schemeClr val="lt1"/>
+          </a:fontRef>
+        </p:style>
+        <p:txBody>
+          <a:bodyPr rtlCol="0" anchor="ctr"/>
+          <a:lstStyle/>
+          <a:p>
+            <a:pPr algn="ctr"/>
+            <a:endParaRPr lang="en-US" dirty="0"/>
+          </a:p>
+        </p:txBody>
+      </p:sp>
+      <p:sp>
+        <p:nvSpPr>
+          <p:cNvPr id="43" name="TextBox 42">
+            <a:extLst>
+              <a:ext uri="{FF2B5EF4-FFF2-40B4-BE49-F238E27FC236}">
+                <a16:creationId xmlns:a16="http://schemas.microsoft.com/office/drawing/2014/main" id="{20DF8147-28B4-374C-80B0-11A0992E296D}"/>
+              </a:ext>
+            </a:extLst>
+          </p:cNvPr>
+          <p:cNvSpPr txBox="1"/>
+          <p:nvPr/>
+        </p:nvSpPr>
+        <p:spPr>
+          <a:xfrm>
+            <a:off x="4820478" y="14664603"/>
+            <a:ext cx="762000" cy="246221"/>
+          </a:xfrm>
+          <a:prstGeom prst="rect">
+            <a:avLst/>
+          </a:prstGeom>
+          <a:noFill/>
+        </p:spPr>
+        <p:txBody>
+          <a:bodyPr wrap="square" rtlCol="0">
+            <a:spAutoFit/>
+          </a:bodyPr>
+          <a:lstStyle/>
+          <a:p>
+            <a:r>
+              <a:rPr lang="en-US" sz="1000" dirty="0">
+                <a:solidFill>
+                  <a:srgbClr val="FF0000"/>
+                </a:solidFill>
+              </a:rPr>
+              <a:t>Incidents</a:t>
+            </a:r>
+          </a:p>
+        </p:txBody>
+      </p:sp>
+      <p:sp>
+        <p:nvSpPr>
+          <p:cNvPr id="44" name="Rectangle 43">
+            <a:extLst>
+              <a:ext uri="{FF2B5EF4-FFF2-40B4-BE49-F238E27FC236}">
+                <a16:creationId xmlns:a16="http://schemas.microsoft.com/office/drawing/2014/main" id="{1AC7A34F-3536-AD45-9647-4A3D5C554D11}"/>
+              </a:ext>
+            </a:extLst>
+          </p:cNvPr>
+          <p:cNvSpPr/>
+          <p:nvPr/>
+        </p:nvSpPr>
+        <p:spPr>
+          <a:xfrm>
+            <a:off x="5010978" y="15113500"/>
+            <a:ext cx="381000" cy="114820"/>
+          </a:xfrm>
+          <a:prstGeom prst="rect">
+            <a:avLst/>
+          </a:prstGeom>
+          <a:solidFill>
+            <a:schemeClr val="bg1"/>
+          </a:solidFill>
+          <a:ln>
+            <a:solidFill>
+              <a:schemeClr val="bg1"/>
+            </a:solidFill>
+          </a:ln>
+        </p:spPr>
+        <p:style>
+          <a:lnRef idx="2">
+            <a:schemeClr val="accent1">
+              <a:shade val="50000"/>
+            </a:schemeClr>
+          </a:lnRef>
+          <a:fillRef idx="1">
+            <a:schemeClr val="accent1"/>
+          </a:fillRef>
+          <a:effectRef idx="0">
+            <a:schemeClr val="accent1"/>
+          </a:effectRef>
+          <a:fontRef idx="minor">
+            <a:schemeClr val="lt1"/>
+          </a:fontRef>
+        </p:style>
+        <p:txBody>
+          <a:bodyPr rtlCol="0" anchor="ctr"/>
+          <a:lstStyle/>
+          <a:p>
+            <a:pPr algn="ctr"/>
+            <a:endParaRPr lang="en-US" dirty="0"/>
+          </a:p>
+        </p:txBody>
+      </p:sp>
+      <p:sp>
+        <p:nvSpPr>
+          <p:cNvPr id="41" name="TextBox 40">
+            <a:extLst>
+              <a:ext uri="{FF2B5EF4-FFF2-40B4-BE49-F238E27FC236}">
+                <a16:creationId xmlns:a16="http://schemas.microsoft.com/office/drawing/2014/main" id="{EE944072-BF45-6341-9BA8-7952DC6AEA6B}"/>
+              </a:ext>
+            </a:extLst>
+          </p:cNvPr>
+          <p:cNvSpPr txBox="1"/>
+          <p:nvPr/>
+        </p:nvSpPr>
+        <p:spPr>
+          <a:xfrm>
+            <a:off x="1127761" y="20700245"/>
+            <a:ext cx="16709062" cy="1631216"/>
+          </a:xfrm>
+          <a:prstGeom prst="rect">
+            <a:avLst/>
+          </a:prstGeom>
+          <a:noFill/>
+        </p:spPr>
+        <p:txBody>
+          <a:bodyPr wrap="square" rtlCol="0">
+            <a:spAutoFit/>
+          </a:bodyPr>
+          <a:lstStyle/>
+          <a:p>
+            <a:r>
+              <a:rPr lang="en-US" sz="2000" b="1" dirty="0">
+                <a:latin typeface="Arial" panose="020B0604020202020204" pitchFamily="34" charset="0"/>
+                <a:cs typeface="Arial" panose="020B0604020202020204" pitchFamily="34" charset="0"/>
+              </a:rPr>
+              <a:t>OPQ Cloud Design:  </a:t>
+            </a:r>
+          </a:p>
+          <a:p>
+            <a:r>
+              <a:rPr lang="en-US" sz="2000" b="1" dirty="0">
+                <a:latin typeface="Arial" panose="020B0604020202020204" pitchFamily="34" charset="0"/>
+                <a:cs typeface="Arial" panose="020B0604020202020204" pitchFamily="34" charset="0"/>
+              </a:rPr>
+              <a:t>    </a:t>
+            </a:r>
+            <a:r>
+              <a:rPr lang="en-US" sz="2000" dirty="0">
+                <a:latin typeface="Arial" panose="020B0604020202020204" pitchFamily="34" charset="0"/>
+                <a:cs typeface="Arial" panose="020B0604020202020204" pitchFamily="34" charset="0"/>
+              </a:rPr>
+              <a:t>OPQ Makai, OPQ </a:t>
+            </a:r>
+            <a:r>
+              <a:rPr lang="en-US" sz="2000" dirty="0" err="1">
+                <a:latin typeface="Arial" panose="020B0604020202020204" pitchFamily="34" charset="0"/>
+                <a:cs typeface="Arial" panose="020B0604020202020204" pitchFamily="34" charset="0"/>
+              </a:rPr>
+              <a:t>Mauka</a:t>
+            </a:r>
+            <a:r>
+              <a:rPr lang="en-US" sz="2000" dirty="0">
+                <a:latin typeface="Arial" panose="020B0604020202020204" pitchFamily="34" charset="0"/>
+                <a:cs typeface="Arial" panose="020B0604020202020204" pitchFamily="34" charset="0"/>
+              </a:rPr>
+              <a:t>, and OPQ View are all cloud-based software services that</a:t>
+            </a:r>
+            <a:endParaRPr lang="en-US" sz="2000" b="1" dirty="0">
+              <a:latin typeface="Arial" panose="020B0604020202020204" pitchFamily="34" charset="0"/>
+              <a:cs typeface="Arial" panose="020B0604020202020204" pitchFamily="34" charset="0"/>
+            </a:endParaRPr>
+          </a:p>
+          <a:p>
+            <a:r>
+              <a:rPr lang="en-US" sz="2000" dirty="0">
+                <a:latin typeface="Arial" panose="020B0604020202020204" pitchFamily="34" charset="0"/>
+                <a:cs typeface="Arial" panose="020B0604020202020204" pitchFamily="34" charset="0"/>
+              </a:rPr>
+              <a:t>collectively form a single "instance" with respect to data transmission, storage, analysis, and visualization. We refer to this collection of software-side components as OPQ Cloud. Every OPQ Box connects to a single instance of an OPQ Cloud. </a:t>
+            </a:r>
+            <a:endParaRPr lang="en-US" sz="2000" b="1" dirty="0">
+              <a:latin typeface="Arial" panose="020B0604020202020204" pitchFamily="34" charset="0"/>
+              <a:cs typeface="Arial" panose="020B0604020202020204" pitchFamily="34" charset="0"/>
+            </a:endParaRPr>
+          </a:p>
+          <a:p>
+            <a:endParaRPr lang="en-US" sz="2000" dirty="0"/>
+          </a:p>
+        </p:txBody>
+      </p:sp>
     </p:spTree>
   </p:cSld>
   <p:clrMapOvr>
@@ -5129,4 +5987,299 @@
   <a:objectDefaults/>
   <a:extraClrSchemeLst/>
 </a:theme>
+</file>
+
+<file path=ppt/theme/theme2.xml><?xml version="1.0" encoding="utf-8"?>
+<a:theme xmlns:a="http://schemas.openxmlformats.org/drawingml/2006/main" name="Office Theme">
+  <a:themeElements>
+    <a:clrScheme name="Office">
+      <a:dk1>
+        <a:sysClr val="windowText" lastClr="000000"/>
+      </a:dk1>
+      <a:lt1>
+        <a:sysClr val="window" lastClr="FFFFFF"/>
+      </a:lt1>
+      <a:dk2>
+        <a:srgbClr val="44546A"/>
+      </a:dk2>
+      <a:lt2>
+        <a:srgbClr val="E7E6E6"/>
+      </a:lt2>
+      <a:accent1>
+        <a:srgbClr val="4472C4"/>
+      </a:accent1>
+      <a:accent2>
+        <a:srgbClr val="ED7D31"/>
+      </a:accent2>
+      <a:accent3>
+        <a:srgbClr val="A5A5A5"/>
+      </a:accent3>
+      <a:accent4>
+        <a:srgbClr val="FFC000"/>
+      </a:accent4>
+      <a:accent5>
+        <a:srgbClr val="5B9BD5"/>
+      </a:accent5>
+      <a:accent6>
+        <a:srgbClr val="70AD47"/>
+      </a:accent6>
+      <a:hlink>
+        <a:srgbClr val="0563C1"/>
+      </a:hlink>
+      <a:folHlink>
+        <a:srgbClr val="954F72"/>
+      </a:folHlink>
+    </a:clrScheme>
+    <a:fontScheme name="Office">
+      <a:majorFont>
+        <a:latin typeface="Calibri Light" panose="020F0302020204030204"/>
+        <a:ea typeface=""/>
+        <a:cs typeface=""/>
+        <a:font script="Jpan" typeface="游ゴシック Light"/>
+        <a:font script="Hang" typeface="맑은 고딕"/>
+        <a:font script="Hans" typeface="等线 Light"/>
+        <a:font script="Hant" typeface="新細明體"/>
+        <a:font script="Arab" typeface="Times New Roman"/>
+        <a:font script="Hebr" typeface="Times New Roman"/>
+        <a:font script="Thai" typeface="Angsana New"/>
+        <a:font script="Ethi" typeface="Nyala"/>
+        <a:font script="Beng" typeface="Vrinda"/>
+        <a:font script="Gujr" typeface="Shruti"/>
+        <a:font script="Khmr" typeface="MoolBoran"/>
+        <a:font script="Knda" typeface="Tunga"/>
+        <a:font script="Guru" typeface="Raavi"/>
+        <a:font script="Cans" typeface="Euphemia"/>
+        <a:font script="Cher" typeface="Plantagenet Cherokee"/>
+        <a:font script="Yiii" typeface="Microsoft Yi Baiti"/>
+        <a:font script="Tibt" typeface="Microsoft Himalaya"/>
+        <a:font script="Thaa" typeface="MV Boli"/>
+        <a:font script="Deva" typeface="Mangal"/>
+        <a:font script="Telu" typeface="Gautami"/>
+        <a:font script="Taml" typeface="Latha"/>
+        <a:font script="Syrc" typeface="Estrangelo Edessa"/>
+        <a:font script="Orya" typeface="Kalinga"/>
+        <a:font script="Mlym" typeface="Kartika"/>
+        <a:font script="Laoo" typeface="DokChampa"/>
+        <a:font script="Sinh" typeface="Iskoola Pota"/>
+        <a:font script="Mong" typeface="Mongolian Baiti"/>
+        <a:font script="Viet" typeface="Times New Roman"/>
+        <a:font script="Uigh" typeface="Microsoft Uighur"/>
+        <a:font script="Geor" typeface="Sylfaen"/>
+        <a:font script="Armn" typeface="Arial"/>
+        <a:font script="Bugi" typeface="Leelawadee UI"/>
+        <a:font script="Bopo" typeface="Microsoft JhengHei"/>
+        <a:font script="Java" typeface="Javanese Text"/>
+        <a:font script="Lisu" typeface="Segoe UI"/>
+        <a:font script="Mymr" typeface="Myanmar Text"/>
+        <a:font script="Nkoo" typeface="Ebrima"/>
+        <a:font script="Olck" typeface="Nirmala UI"/>
+        <a:font script="Osma" typeface="Ebrima"/>
+        <a:font script="Phag" typeface="Phagspa"/>
+        <a:font script="Syrn" typeface="Estrangelo Edessa"/>
+        <a:font script="Syrj" typeface="Estrangelo Edessa"/>
+        <a:font script="Syre" typeface="Estrangelo Edessa"/>
+        <a:font script="Sora" typeface="Nirmala UI"/>
+        <a:font script="Tale" typeface="Microsoft Tai Le"/>
+        <a:font script="Talu" typeface="Microsoft New Tai Lue"/>
+        <a:font script="Tfng" typeface="Ebrima"/>
+      </a:majorFont>
+      <a:minorFont>
+        <a:latin typeface="Calibri" panose="020F0502020204030204"/>
+        <a:ea typeface=""/>
+        <a:cs typeface=""/>
+        <a:font script="Jpan" typeface="游ゴシック"/>
+        <a:font script="Hang" typeface="맑은 고딕"/>
+        <a:font script="Hans" typeface="等线"/>
+        <a:font script="Hant" typeface="新細明體"/>
+        <a:font script="Arab" typeface="Arial"/>
+        <a:font script="Hebr" typeface="Arial"/>
+        <a:font script="Thai" typeface="Cordia New"/>
+        <a:font script="Ethi" typeface="Nyala"/>
+        <a:font script="Beng" typeface="Vrinda"/>
+        <a:font script="Gujr" typeface="Shruti"/>
+        <a:font script="Khmr" typeface="DaunPenh"/>
+        <a:font script="Knda" typeface="Tunga"/>
+        <a:font script="Guru" typeface="Raavi"/>
+        <a:font script="Cans" typeface="Euphemia"/>
+        <a:font script="Cher" typeface="Plantagenet Cherokee"/>
+        <a:font script="Yiii" typeface="Microsoft Yi Baiti"/>
+        <a:font script="Tibt" typeface="Microsoft Himalaya"/>
+        <a:font script="Thaa" typeface="MV Boli"/>
+        <a:font script="Deva" typeface="Mangal"/>
+        <a:font script="Telu" typeface="Gautami"/>
+        <a:font script="Taml" typeface="Latha"/>
+        <a:font script="Syrc" typeface="Estrangelo Edessa"/>
+        <a:font script="Orya" typeface="Kalinga"/>
+        <a:font script="Mlym" typeface="Kartika"/>
+        <a:font script="Laoo" typeface="DokChampa"/>
+        <a:font script="Sinh" typeface="Iskoola Pota"/>
+        <a:font script="Mong" typeface="Mongolian Baiti"/>
+        <a:font script="Viet" typeface="Arial"/>
+        <a:font script="Uigh" typeface="Microsoft Uighur"/>
+        <a:font script="Geor" typeface="Sylfaen"/>
+        <a:font script="Armn" typeface="Arial"/>
+        <a:font script="Bugi" typeface="Leelawadee UI"/>
+        <a:font script="Bopo" typeface="Microsoft JhengHei"/>
+        <a:font script="Java" typeface="Javanese Text"/>
+        <a:font script="Lisu" typeface="Segoe UI"/>
+        <a:font script="Mymr" typeface="Myanmar Text"/>
+        <a:font script="Nkoo" typeface="Ebrima"/>
+        <a:font script="Olck" typeface="Nirmala UI"/>
+        <a:font script="Osma" typeface="Ebrima"/>
+        <a:font script="Phag" typeface="Phagspa"/>
+        <a:font script="Syrn" typeface="Estrangelo Edessa"/>
+        <a:font script="Syrj" typeface="Estrangelo Edessa"/>
+        <a:font script="Syre" typeface="Estrangelo Edessa"/>
+        <a:font script="Sora" typeface="Nirmala UI"/>
+        <a:font script="Tale" typeface="Microsoft Tai Le"/>
+        <a:font script="Talu" typeface="Microsoft New Tai Lue"/>
+        <a:font script="Tfng" typeface="Ebrima"/>
+      </a:minorFont>
+    </a:fontScheme>
+    <a:fmtScheme name="Office">
+      <a:fillStyleLst>
+        <a:solidFill>
+          <a:schemeClr val="phClr"/>
+        </a:solidFill>
+        <a:gradFill rotWithShape="1">
+          <a:gsLst>
+            <a:gs pos="0">
+              <a:schemeClr val="phClr">
+                <a:lumMod val="110000"/>
+                <a:satMod val="105000"/>
+                <a:tint val="67000"/>
+              </a:schemeClr>
+            </a:gs>
+            <a:gs pos="50000">
+              <a:schemeClr val="phClr">
+                <a:lumMod val="105000"/>
+                <a:satMod val="103000"/>
+                <a:tint val="73000"/>
+              </a:schemeClr>
+            </a:gs>
+            <a:gs pos="100000">
+              <a:schemeClr val="phClr">
+                <a:lumMod val="105000"/>
+                <a:satMod val="109000"/>
+                <a:tint val="81000"/>
+              </a:schemeClr>
+            </a:gs>
+          </a:gsLst>
+          <a:lin ang="5400000" scaled="0"/>
+        </a:gradFill>
+        <a:gradFill rotWithShape="1">
+          <a:gsLst>
+            <a:gs pos="0">
+              <a:schemeClr val="phClr">
+                <a:satMod val="103000"/>
+                <a:lumMod val="102000"/>
+                <a:tint val="94000"/>
+              </a:schemeClr>
+            </a:gs>
+            <a:gs pos="50000">
+              <a:schemeClr val="phClr">
+                <a:satMod val="110000"/>
+                <a:lumMod val="100000"/>
+                <a:shade val="100000"/>
+              </a:schemeClr>
+            </a:gs>
+            <a:gs pos="100000">
+              <a:schemeClr val="phClr">
+                <a:lumMod val="99000"/>
+                <a:satMod val="120000"/>
+                <a:shade val="78000"/>
+              </a:schemeClr>
+            </a:gs>
+          </a:gsLst>
+          <a:lin ang="5400000" scaled="0"/>
+        </a:gradFill>
+      </a:fillStyleLst>
+      <a:lnStyleLst>
+        <a:ln w="6350" cap="flat" cmpd="sng" algn="ctr">
+          <a:solidFill>
+            <a:schemeClr val="phClr"/>
+          </a:solidFill>
+          <a:prstDash val="solid"/>
+          <a:miter lim="800000"/>
+        </a:ln>
+        <a:ln w="12700" cap="flat" cmpd="sng" algn="ctr">
+          <a:solidFill>
+            <a:schemeClr val="phClr"/>
+          </a:solidFill>
+          <a:prstDash val="solid"/>
+          <a:miter lim="800000"/>
+        </a:ln>
+        <a:ln w="19050" cap="flat" cmpd="sng" algn="ctr">
+          <a:solidFill>
+            <a:schemeClr val="phClr"/>
+          </a:solidFill>
+          <a:prstDash val="solid"/>
+          <a:miter lim="800000"/>
+        </a:ln>
+      </a:lnStyleLst>
+      <a:effectStyleLst>
+        <a:effectStyle>
+          <a:effectLst/>
+        </a:effectStyle>
+        <a:effectStyle>
+          <a:effectLst/>
+        </a:effectStyle>
+        <a:effectStyle>
+          <a:effectLst>
+            <a:outerShdw blurRad="57150" dist="19050" dir="5400000" algn="ctr" rotWithShape="0">
+              <a:srgbClr val="000000">
+                <a:alpha val="63000"/>
+              </a:srgbClr>
+            </a:outerShdw>
+          </a:effectLst>
+        </a:effectStyle>
+      </a:effectStyleLst>
+      <a:bgFillStyleLst>
+        <a:solidFill>
+          <a:schemeClr val="phClr"/>
+        </a:solidFill>
+        <a:solidFill>
+          <a:schemeClr val="phClr">
+            <a:tint val="95000"/>
+            <a:satMod val="170000"/>
+          </a:schemeClr>
+        </a:solidFill>
+        <a:gradFill rotWithShape="1">
+          <a:gsLst>
+            <a:gs pos="0">
+              <a:schemeClr val="phClr">
+                <a:tint val="93000"/>
+                <a:satMod val="150000"/>
+                <a:shade val="98000"/>
+                <a:lumMod val="102000"/>
+              </a:schemeClr>
+            </a:gs>
+            <a:gs pos="50000">
+              <a:schemeClr val="phClr">
+                <a:tint val="98000"/>
+                <a:satMod val="130000"/>
+                <a:shade val="90000"/>
+                <a:lumMod val="103000"/>
+              </a:schemeClr>
+            </a:gs>
+            <a:gs pos="100000">
+              <a:schemeClr val="phClr">
+                <a:shade val="63000"/>
+                <a:satMod val="120000"/>
+              </a:schemeClr>
+            </a:gs>
+          </a:gsLst>
+          <a:lin ang="5400000" scaled="0"/>
+        </a:gradFill>
+      </a:bgFillStyleLst>
+    </a:fmtScheme>
+  </a:themeElements>
+  <a:objectDefaults/>
+  <a:extraClrSchemeLst/>
+  <a:extLst>
+    <a:ext uri="{05A4C25C-085E-4340-85A3-A5531E510DB2}">
+      <thm15:themeFamily xmlns:thm15="http://schemas.microsoft.com/office/thememl/2012/main" name="Office Theme" id="{62F939B6-93AF-4DB8-9C6B-D6C7DFDC589F}" vid="{4A3C46E8-61CC-4603-A589-7422A47A8E4A}"/>
+    </a:ext>
+  </a:extLst>
+</a:theme>
 </file>
--- a/vip-opq-november-2018/VIP-OPQ-November-2018.pptx
+++ b/vip-opq-november-2018/VIP-OPQ-November-2018.pptx
@@ -208,7 +208,7 @@
           <a:p>
             <a:fld id="{007FE00E-CCB3-6D49-9ECD-6B6A6AFB5DFF}" type="datetimeFigureOut">
               <a:rPr lang="en-US" smtClean="0"/>
-              <a:t>11/3/18</a:t>
+              <a:t>11/4/18</a:t>
             </a:fld>
             <a:endParaRPr lang="en-US"/>
           </a:p>
@@ -739,7 +739,7 @@
             <a:fld id="{135BD307-176B-4D78-836E-8019EAB19CFB}" type="datetimeFigureOut">
               <a:rPr lang="en-US" smtClean="0"/>
               <a:pPr/>
-              <a:t>11/3/18</a:t>
+              <a:t>11/4/18</a:t>
             </a:fld>
             <a:endParaRPr lang="en-US"/>
           </a:p>
@@ -904,7 +904,7 @@
             <a:fld id="{135BD307-176B-4D78-836E-8019EAB19CFB}" type="datetimeFigureOut">
               <a:rPr lang="en-US" smtClean="0"/>
               <a:pPr/>
-              <a:t>11/3/18</a:t>
+              <a:t>11/4/18</a:t>
             </a:fld>
             <a:endParaRPr lang="en-US"/>
           </a:p>
@@ -1079,7 +1079,7 @@
             <a:fld id="{135BD307-176B-4D78-836E-8019EAB19CFB}" type="datetimeFigureOut">
               <a:rPr lang="en-US" smtClean="0"/>
               <a:pPr/>
-              <a:t>11/3/18</a:t>
+              <a:t>11/4/18</a:t>
             </a:fld>
             <a:endParaRPr lang="en-US"/>
           </a:p>
@@ -1244,7 +1244,7 @@
             <a:fld id="{135BD307-176B-4D78-836E-8019EAB19CFB}" type="datetimeFigureOut">
               <a:rPr lang="en-US" smtClean="0"/>
               <a:pPr/>
-              <a:t>11/3/18</a:t>
+              <a:t>11/4/18</a:t>
             </a:fld>
             <a:endParaRPr lang="en-US"/>
           </a:p>
@@ -1486,7 +1486,7 @@
             <a:fld id="{135BD307-176B-4D78-836E-8019EAB19CFB}" type="datetimeFigureOut">
               <a:rPr lang="en-US" smtClean="0"/>
               <a:pPr/>
-              <a:t>11/3/18</a:t>
+              <a:t>11/4/18</a:t>
             </a:fld>
             <a:endParaRPr lang="en-US"/>
           </a:p>
@@ -1768,7 +1768,7 @@
             <a:fld id="{135BD307-176B-4D78-836E-8019EAB19CFB}" type="datetimeFigureOut">
               <a:rPr lang="en-US" smtClean="0"/>
               <a:pPr/>
-              <a:t>11/3/18</a:t>
+              <a:t>11/4/18</a:t>
             </a:fld>
             <a:endParaRPr lang="en-US"/>
           </a:p>
@@ -2189,7 +2189,7 @@
             <a:fld id="{135BD307-176B-4D78-836E-8019EAB19CFB}" type="datetimeFigureOut">
               <a:rPr lang="en-US" smtClean="0"/>
               <a:pPr/>
-              <a:t>11/3/18</a:t>
+              <a:t>11/4/18</a:t>
             </a:fld>
             <a:endParaRPr lang="en-US"/>
           </a:p>
@@ -2303,7 +2303,7 @@
             <a:fld id="{135BD307-176B-4D78-836E-8019EAB19CFB}" type="datetimeFigureOut">
               <a:rPr lang="en-US" smtClean="0"/>
               <a:pPr/>
-              <a:t>11/3/18</a:t>
+              <a:t>11/4/18</a:t>
             </a:fld>
             <a:endParaRPr lang="en-US"/>
           </a:p>
@@ -2395,7 +2395,7 @@
             <a:fld id="{135BD307-176B-4D78-836E-8019EAB19CFB}" type="datetimeFigureOut">
               <a:rPr lang="en-US" smtClean="0"/>
               <a:pPr/>
-              <a:t>11/3/18</a:t>
+              <a:t>11/4/18</a:t>
             </a:fld>
             <a:endParaRPr lang="en-US"/>
           </a:p>
@@ -2667,7 +2667,7 @@
             <a:fld id="{135BD307-176B-4D78-836E-8019EAB19CFB}" type="datetimeFigureOut">
               <a:rPr lang="en-US" smtClean="0"/>
               <a:pPr/>
-              <a:t>11/3/18</a:t>
+              <a:t>11/4/18</a:t>
             </a:fld>
             <a:endParaRPr lang="en-US"/>
           </a:p>
@@ -2916,7 +2916,7 @@
             <a:fld id="{135BD307-176B-4D78-836E-8019EAB19CFB}" type="datetimeFigureOut">
               <a:rPr lang="en-US" smtClean="0"/>
               <a:pPr/>
-              <a:t>11/3/18</a:t>
+              <a:t>11/4/18</a:t>
             </a:fld>
             <a:endParaRPr lang="en-US"/>
           </a:p>
@@ -3124,7 +3124,7 @@
             <a:fld id="{135BD307-176B-4D78-836E-8019EAB19CFB}" type="datetimeFigureOut">
               <a:rPr lang="en-US" smtClean="0"/>
               <a:pPr/>
-              <a:t>11/3/18</a:t>
+              <a:t>11/4/18</a:t>
             </a:fld>
             <a:endParaRPr lang="en-US"/>
           </a:p>
@@ -3545,72 +3545,6 @@
       </p:sp>
       <p:sp>
         <p:nvSpPr>
-          <p:cNvPr id="152" name="Text Box 1135"/>
-          <p:cNvSpPr txBox="1">
-            <a:spLocks noChangeArrowheads="1"/>
-          </p:cNvSpPr>
-          <p:nvPr/>
-        </p:nvSpPr>
-        <p:spPr bwMode="auto">
-          <a:xfrm>
-            <a:off x="18694400" y="5780768"/>
-            <a:ext cx="16646629" cy="1077218"/>
-          </a:xfrm>
-          <a:prstGeom prst="rect">
-            <a:avLst/>
-          </a:prstGeom>
-          <a:noFill/>
-          <a:ln w="9525">
-            <a:noFill/>
-            <a:miter lim="800000"/>
-            <a:headEnd/>
-            <a:tailEnd/>
-          </a:ln>
-          <a:effectLst/>
-        </p:spPr>
-        <p:txBody>
-          <a:bodyPr wrap="square">
-            <a:prstTxWarp prst="textNoShape">
-              <a:avLst/>
-            </a:prstTxWarp>
-            <a:spAutoFit/>
-          </a:bodyPr>
-          <a:lstStyle/>
-          <a:p>
-            <a:pPr marL="304800" indent="-304800" eaLnBrk="1" hangingPunct="1">
-              <a:spcBef>
-                <a:spcPct val="0"/>
-              </a:spcBef>
-              <a:buFontTx/>
-              <a:buChar char="•"/>
-            </a:pPr>
-            <a:r>
-              <a:rPr lang="en-US" sz="3200" b="1" dirty="0">
-                <a:latin typeface="Arial" pitchFamily="-65" charset="0"/>
-                <a:ea typeface="PMingLiU" pitchFamily="18" charset="-120"/>
-                <a:cs typeface="PMingLiU" pitchFamily="18" charset="-120"/>
-              </a:rPr>
-              <a:t>Show the data that you have generated, and talk about what it means.</a:t>
-            </a:r>
-          </a:p>
-          <a:p>
-            <a:pPr marL="304800" indent="-304800" eaLnBrk="1" hangingPunct="1">
-              <a:spcBef>
-                <a:spcPct val="0"/>
-              </a:spcBef>
-              <a:buFontTx/>
-              <a:buChar char="•"/>
-            </a:pPr>
-            <a:endParaRPr lang="en-US" sz="3200" b="1" dirty="0">
-              <a:latin typeface="Arial" pitchFamily="-65" charset="0"/>
-              <a:ea typeface="PMingLiU" pitchFamily="18" charset="-120"/>
-              <a:cs typeface="PMingLiU" pitchFamily="18" charset="-120"/>
-            </a:endParaRPr>
-          </a:p>
-        </p:txBody>
-      </p:sp>
-      <p:sp>
-        <p:nvSpPr>
           <p:cNvPr id="5" name="Text Box 996"/>
           <p:cNvSpPr txBox="1">
             <a:spLocks noChangeArrowheads="1"/>
@@ -4761,75 +4695,6 @@
                 <a:cs typeface="Arial" panose="020B0604020202020204" pitchFamily="34" charset="0"/>
               </a:rPr>
               <a:t>    At a closer look, the OPQ system architecture consists of four major open source hardware and software components that provide end-to-end support for the capture, triggering, analysis, and reporting of consumer level local and global power quality events.</a:t>
-            </a:r>
-          </a:p>
-        </p:txBody>
-      </p:sp>
-      <p:sp>
-        <p:nvSpPr>
-          <p:cNvPr id="170" name="Text Box 1135"/>
-          <p:cNvSpPr txBox="1">
-            <a:spLocks noChangeArrowheads="1"/>
-          </p:cNvSpPr>
-          <p:nvPr/>
-        </p:nvSpPr>
-        <p:spPr bwMode="auto">
-          <a:xfrm>
-            <a:off x="18669000" y="19888200"/>
-            <a:ext cx="16646629" cy="1077218"/>
-          </a:xfrm>
-          <a:prstGeom prst="rect">
-            <a:avLst/>
-          </a:prstGeom>
-          <a:noFill/>
-          <a:ln w="9525">
-            <a:noFill/>
-            <a:miter lim="800000"/>
-            <a:headEnd/>
-            <a:tailEnd/>
-          </a:ln>
-          <a:effectLst/>
-        </p:spPr>
-        <p:txBody>
-          <a:bodyPr wrap="square">
-            <a:prstTxWarp prst="textNoShape">
-              <a:avLst/>
-            </a:prstTxWarp>
-            <a:spAutoFit/>
-          </a:bodyPr>
-          <a:lstStyle/>
-          <a:p>
-            <a:pPr marL="304800" indent="-304800" eaLnBrk="1" hangingPunct="1">
-              <a:spcBef>
-                <a:spcPct val="0"/>
-              </a:spcBef>
-              <a:buFontTx/>
-              <a:buChar char="•"/>
-            </a:pPr>
-            <a:r>
-              <a:rPr lang="en-US" sz="3200" b="1" dirty="0">
-                <a:latin typeface="Arial" pitchFamily="-65" charset="0"/>
-                <a:ea typeface="PMingLiU" pitchFamily="18" charset="-120"/>
-                <a:cs typeface="PMingLiU" pitchFamily="18" charset="-120"/>
-              </a:rPr>
-              <a:t>Sum up your key results</a:t>
-            </a:r>
-          </a:p>
-          <a:p>
-            <a:pPr marL="304800" indent="-304800" eaLnBrk="1" hangingPunct="1">
-              <a:spcBef>
-                <a:spcPct val="0"/>
-              </a:spcBef>
-              <a:buFontTx/>
-              <a:buChar char="•"/>
-            </a:pPr>
-            <a:r>
-              <a:rPr lang="en-US" sz="3200" b="1" dirty="0">
-                <a:latin typeface="Arial" pitchFamily="-65" charset="0"/>
-                <a:ea typeface="PMingLiU" pitchFamily="18" charset="-120"/>
-                <a:cs typeface="PMingLiU" pitchFamily="18" charset="-120"/>
-              </a:rPr>
-              <a:t>Can also mention future work</a:t>
             </a:r>
           </a:p>
         </p:txBody>
@@ -5073,8 +4938,8 @@
           </a:p>
         </p:txBody>
       </p:sp>
-      <mc:AlternateContent xmlns:mc="http://schemas.openxmlformats.org/markup-compatibility/2006">
-        <mc:Choice xmlns:a14="http://schemas.microsoft.com/office/drawing/2010/main" Requires="a14">
+      <mc:AlternateContent xmlns:mc="http://schemas.openxmlformats.org/markup-compatibility/2006" xmlns:a14="http://schemas.microsoft.com/office/drawing/2010/main">
+        <mc:Choice Requires="a14">
           <p:sp>
             <p:nvSpPr>
               <p:cNvPr id="31" name="TextBox 30">
@@ -5235,7 +5100,7 @@
             </p:txBody>
           </p:sp>
         </mc:Choice>
-        <mc:Fallback>
+        <mc:Fallback xmlns="">
           <p:sp>
             <p:nvSpPr>
               <p:cNvPr id="31" name="TextBox 30">
@@ -5695,6 +5560,271 @@
           </a:p>
           <a:p>
             <a:endParaRPr lang="en-US" sz="2000" dirty="0"/>
+          </a:p>
+        </p:txBody>
+      </p:sp>
+      <p:pic>
+        <p:nvPicPr>
+          <p:cNvPr id="45" name="Picture 44">
+            <a:extLst>
+              <a:ext uri="{FF2B5EF4-FFF2-40B4-BE49-F238E27FC236}">
+                <a16:creationId xmlns:a16="http://schemas.microsoft.com/office/drawing/2014/main" id="{D9F30DBB-0BBD-554D-8812-6ED7B1CE635A}"/>
+              </a:ext>
+            </a:extLst>
+          </p:cNvPr>
+          <p:cNvPicPr>
+            <a:picLocks noChangeAspect="1"/>
+          </p:cNvPicPr>
+          <p:nvPr/>
+        </p:nvPicPr>
+        <p:blipFill>
+          <a:blip r:embed="rId11">
+            <a:extLst>
+              <a:ext uri="{28A0092B-C50C-407E-A947-70E740481C1C}">
+                <a14:useLocalDpi xmlns:a14="http://schemas.microsoft.com/office/drawing/2010/main" val="0"/>
+              </a:ext>
+            </a:extLst>
+          </a:blip>
+          <a:stretch>
+            <a:fillRect/>
+          </a:stretch>
+        </p:blipFill>
+        <p:spPr>
+          <a:xfrm>
+            <a:off x="18812644" y="10311725"/>
+            <a:ext cx="7194241" cy="4106712"/>
+          </a:xfrm>
+          <a:prstGeom prst="rect">
+            <a:avLst/>
+          </a:prstGeom>
+        </p:spPr>
+      </p:pic>
+      <p:pic>
+        <p:nvPicPr>
+          <p:cNvPr id="50" name="Picture 49">
+            <a:extLst>
+              <a:ext uri="{FF2B5EF4-FFF2-40B4-BE49-F238E27FC236}">
+                <a16:creationId xmlns:a16="http://schemas.microsoft.com/office/drawing/2014/main" id="{93D2A9D0-6157-6C49-99D1-822C60709E27}"/>
+              </a:ext>
+            </a:extLst>
+          </p:cNvPr>
+          <p:cNvPicPr>
+            <a:picLocks noChangeAspect="1"/>
+          </p:cNvPicPr>
+          <p:nvPr/>
+        </p:nvPicPr>
+        <p:blipFill>
+          <a:blip r:embed="rId12">
+            <a:extLst>
+              <a:ext uri="{28A0092B-C50C-407E-A947-70E740481C1C}">
+                <a14:useLocalDpi xmlns:a14="http://schemas.microsoft.com/office/drawing/2010/main" val="0"/>
+              </a:ext>
+            </a:extLst>
+          </a:blip>
+          <a:stretch>
+            <a:fillRect/>
+          </a:stretch>
+        </p:blipFill>
+        <p:spPr>
+          <a:xfrm>
+            <a:off x="18812644" y="5780768"/>
+            <a:ext cx="6528851" cy="3421021"/>
+          </a:xfrm>
+          <a:prstGeom prst="rect">
+            <a:avLst/>
+          </a:prstGeom>
+        </p:spPr>
+      </p:pic>
+      <p:sp>
+        <p:nvSpPr>
+          <p:cNvPr id="53" name="TextBox 52">
+            <a:extLst>
+              <a:ext uri="{FF2B5EF4-FFF2-40B4-BE49-F238E27FC236}">
+                <a16:creationId xmlns:a16="http://schemas.microsoft.com/office/drawing/2014/main" id="{8092ED56-C177-B043-9AA1-BFE4F1B70380}"/>
+              </a:ext>
+            </a:extLst>
+          </p:cNvPr>
+          <p:cNvSpPr txBox="1"/>
+          <p:nvPr/>
+        </p:nvSpPr>
+        <p:spPr>
+          <a:xfrm>
+            <a:off x="25603200" y="5780768"/>
+            <a:ext cx="9144000" cy="1938992"/>
+          </a:xfrm>
+          <a:prstGeom prst="rect">
+            <a:avLst/>
+          </a:prstGeom>
+          <a:noFill/>
+        </p:spPr>
+        <p:txBody>
+          <a:bodyPr wrap="square" rtlCol="0">
+            <a:spAutoFit/>
+          </a:bodyPr>
+          <a:lstStyle/>
+          <a:p>
+            <a:r>
+              <a:rPr lang="en-US" sz="2000" dirty="0"/>
+              <a:t>Multiple Open Power Quality boxes have been successfully deployed and are currently monitoring the health of Oahu’s grid. The image to the left is a screenshot of the Box Map Page provided to users by OPQ view. The Box Map page provides a location-oriented perspective of the OPQ Boxes associated with an OPQ Cloud instance. Clicking on the icon associated with a box reveals additional details about its status as shown below:</a:t>
+            </a:r>
+          </a:p>
+        </p:txBody>
+      </p:sp>
+      <p:pic>
+        <p:nvPicPr>
+          <p:cNvPr id="55" name="Picture 54">
+            <a:extLst>
+              <a:ext uri="{FF2B5EF4-FFF2-40B4-BE49-F238E27FC236}">
+                <a16:creationId xmlns:a16="http://schemas.microsoft.com/office/drawing/2014/main" id="{1F643506-1B2C-DA43-A4FC-17160862ED21}"/>
+              </a:ext>
+            </a:extLst>
+          </p:cNvPr>
+          <p:cNvPicPr>
+            <a:picLocks noChangeAspect="1"/>
+          </p:cNvPicPr>
+          <p:nvPr/>
+        </p:nvPicPr>
+        <p:blipFill>
+          <a:blip r:embed="rId13">
+            <a:extLst>
+              <a:ext uri="{28A0092B-C50C-407E-A947-70E740481C1C}">
+                <a14:useLocalDpi xmlns:a14="http://schemas.microsoft.com/office/drawing/2010/main" val="0"/>
+              </a:ext>
+            </a:extLst>
+          </a:blip>
+          <a:stretch>
+            <a:fillRect/>
+          </a:stretch>
+        </p:blipFill>
+        <p:spPr>
+          <a:xfrm>
+            <a:off x="28671088" y="7664867"/>
+            <a:ext cx="3828160" cy="3168866"/>
+          </a:xfrm>
+          <a:prstGeom prst="rect">
+            <a:avLst/>
+          </a:prstGeom>
+        </p:spPr>
+      </p:pic>
+      <p:sp>
+        <p:nvSpPr>
+          <p:cNvPr id="57" name="TextBox 56">
+            <a:extLst>
+              <a:ext uri="{FF2B5EF4-FFF2-40B4-BE49-F238E27FC236}">
+                <a16:creationId xmlns:a16="http://schemas.microsoft.com/office/drawing/2014/main" id="{4F46623F-3028-5846-B0F7-C15523542BD8}"/>
+              </a:ext>
+            </a:extLst>
+          </p:cNvPr>
+          <p:cNvSpPr txBox="1"/>
+          <p:nvPr/>
+        </p:nvSpPr>
+        <p:spPr>
+          <a:xfrm>
+            <a:off x="26214398" y="11076416"/>
+            <a:ext cx="8741540" cy="2246769"/>
+          </a:xfrm>
+          <a:prstGeom prst="rect">
+            <a:avLst/>
+          </a:prstGeom>
+          <a:noFill/>
+        </p:spPr>
+        <p:txBody>
+          <a:bodyPr wrap="square" rtlCol="0">
+            <a:spAutoFit/>
+          </a:bodyPr>
+          <a:lstStyle/>
+          <a:p>
+            <a:r>
+              <a:rPr lang="en-US" sz="2000" dirty="0"/>
+              <a:t>OPQ Makai has been successfully monitoring and triggering PQ events. The PQ events are analyzed by OPQ </a:t>
+            </a:r>
+            <a:r>
+              <a:rPr lang="en-US" sz="2000" dirty="0" err="1"/>
+              <a:t>Mauka</a:t>
+            </a:r>
+            <a:r>
+              <a:rPr lang="en-US" sz="2000" dirty="0"/>
+              <a:t> where they are potentially broken into multiple incidents and classified according to IEEE standards. The image to the left shows the Event Overview page provided by OPQ View. The particular event caught by the OPQ system in the image was classified as a VOLTAGE SAG. The waveform recorded by the OPQ Box displayed on the Event Overview page verifies this classification made by OPQ </a:t>
+            </a:r>
+            <a:r>
+              <a:rPr lang="en-US" sz="2000" dirty="0" err="1"/>
+              <a:t>Mauka</a:t>
+            </a:r>
+            <a:r>
+              <a:rPr lang="en-US" sz="2000" dirty="0"/>
+              <a:t>.</a:t>
+            </a:r>
+          </a:p>
+        </p:txBody>
+      </p:sp>
+      <p:pic>
+        <p:nvPicPr>
+          <p:cNvPr id="60" name="Picture 59">
+            <a:extLst>
+              <a:ext uri="{FF2B5EF4-FFF2-40B4-BE49-F238E27FC236}">
+                <a16:creationId xmlns:a16="http://schemas.microsoft.com/office/drawing/2014/main" id="{ADB7D595-A3DB-C346-BA7C-6D5754BE67C7}"/>
+              </a:ext>
+            </a:extLst>
+          </p:cNvPr>
+          <p:cNvPicPr>
+            <a:picLocks noChangeAspect="1"/>
+          </p:cNvPicPr>
+          <p:nvPr/>
+        </p:nvPicPr>
+        <p:blipFill>
+          <a:blip r:embed="rId14">
+            <a:extLst>
+              <a:ext uri="{28A0092B-C50C-407E-A947-70E740481C1C}">
+                <a14:useLocalDpi xmlns:a14="http://schemas.microsoft.com/office/drawing/2010/main" val="0"/>
+              </a:ext>
+            </a:extLst>
+          </a:blip>
+          <a:stretch>
+            <a:fillRect/>
+          </a:stretch>
+        </p:blipFill>
+        <p:spPr>
+          <a:xfrm>
+            <a:off x="27617129" y="13565869"/>
+            <a:ext cx="6421171" cy="4948163"/>
+          </a:xfrm>
+          <a:prstGeom prst="rect">
+            <a:avLst/>
+          </a:prstGeom>
+        </p:spPr>
+      </p:pic>
+      <p:sp>
+        <p:nvSpPr>
+          <p:cNvPr id="61" name="TextBox 60">
+            <a:extLst>
+              <a:ext uri="{FF2B5EF4-FFF2-40B4-BE49-F238E27FC236}">
+                <a16:creationId xmlns:a16="http://schemas.microsoft.com/office/drawing/2014/main" id="{A06101E3-164C-474E-B901-1EB867D13B3D}"/>
+              </a:ext>
+            </a:extLst>
+          </p:cNvPr>
+          <p:cNvSpPr txBox="1"/>
+          <p:nvPr/>
+        </p:nvSpPr>
+        <p:spPr>
+          <a:xfrm>
+            <a:off x="19088101" y="15619896"/>
+            <a:ext cx="7830530" cy="1015663"/>
+          </a:xfrm>
+          <a:prstGeom prst="rect">
+            <a:avLst/>
+          </a:prstGeom>
+          <a:noFill/>
+        </p:spPr>
+        <p:txBody>
+          <a:bodyPr wrap="square" rtlCol="0">
+            <a:spAutoFit/>
+          </a:bodyPr>
+          <a:lstStyle/>
+          <a:p>
+            <a:r>
+              <a:rPr lang="en-US" sz="2000" dirty="0"/>
+              <a:t>The image to the right is a screenshot of the Live Data page provided by OPQ View. The Live Data page, as its name suggests, enable the user to see power quality data sent from OPQ Boxes in real time. </a:t>
+            </a:r>
           </a:p>
         </p:txBody>
       </p:sp>

--- a/vip-opq-november-2018/VIP-OPQ-November-2018.pptx
+++ b/vip-opq-november-2018/VIP-OPQ-November-2018.pptx
@@ -208,7 +208,7 @@
           <a:p>
             <a:fld id="{007FE00E-CCB3-6D49-9ECD-6B6A6AFB5DFF}" type="datetimeFigureOut">
               <a:rPr lang="en-US" smtClean="0"/>
-              <a:t>11/4/18</a:t>
+              <a:t>11/5/18</a:t>
             </a:fld>
             <a:endParaRPr lang="en-US"/>
           </a:p>
@@ -739,7 +739,7 @@
             <a:fld id="{135BD307-176B-4D78-836E-8019EAB19CFB}" type="datetimeFigureOut">
               <a:rPr lang="en-US" smtClean="0"/>
               <a:pPr/>
-              <a:t>11/4/18</a:t>
+              <a:t>11/5/18</a:t>
             </a:fld>
             <a:endParaRPr lang="en-US"/>
           </a:p>
@@ -904,7 +904,7 @@
             <a:fld id="{135BD307-176B-4D78-836E-8019EAB19CFB}" type="datetimeFigureOut">
               <a:rPr lang="en-US" smtClean="0"/>
               <a:pPr/>
-              <a:t>11/4/18</a:t>
+              <a:t>11/5/18</a:t>
             </a:fld>
             <a:endParaRPr lang="en-US"/>
           </a:p>
@@ -1079,7 +1079,7 @@
             <a:fld id="{135BD307-176B-4D78-836E-8019EAB19CFB}" type="datetimeFigureOut">
               <a:rPr lang="en-US" smtClean="0"/>
               <a:pPr/>
-              <a:t>11/4/18</a:t>
+              <a:t>11/5/18</a:t>
             </a:fld>
             <a:endParaRPr lang="en-US"/>
           </a:p>
@@ -1244,7 +1244,7 @@
             <a:fld id="{135BD307-176B-4D78-836E-8019EAB19CFB}" type="datetimeFigureOut">
               <a:rPr lang="en-US" smtClean="0"/>
               <a:pPr/>
-              <a:t>11/4/18</a:t>
+              <a:t>11/5/18</a:t>
             </a:fld>
             <a:endParaRPr lang="en-US"/>
           </a:p>
@@ -1486,7 +1486,7 @@
             <a:fld id="{135BD307-176B-4D78-836E-8019EAB19CFB}" type="datetimeFigureOut">
               <a:rPr lang="en-US" smtClean="0"/>
               <a:pPr/>
-              <a:t>11/4/18</a:t>
+              <a:t>11/5/18</a:t>
             </a:fld>
             <a:endParaRPr lang="en-US"/>
           </a:p>
@@ -1768,7 +1768,7 @@
             <a:fld id="{135BD307-176B-4D78-836E-8019EAB19CFB}" type="datetimeFigureOut">
               <a:rPr lang="en-US" smtClean="0"/>
               <a:pPr/>
-              <a:t>11/4/18</a:t>
+              <a:t>11/5/18</a:t>
             </a:fld>
             <a:endParaRPr lang="en-US"/>
           </a:p>
@@ -2189,7 +2189,7 @@
             <a:fld id="{135BD307-176B-4D78-836E-8019EAB19CFB}" type="datetimeFigureOut">
               <a:rPr lang="en-US" smtClean="0"/>
               <a:pPr/>
-              <a:t>11/4/18</a:t>
+              <a:t>11/5/18</a:t>
             </a:fld>
             <a:endParaRPr lang="en-US"/>
           </a:p>
@@ -2303,7 +2303,7 @@
             <a:fld id="{135BD307-176B-4D78-836E-8019EAB19CFB}" type="datetimeFigureOut">
               <a:rPr lang="en-US" smtClean="0"/>
               <a:pPr/>
-              <a:t>11/4/18</a:t>
+              <a:t>11/5/18</a:t>
             </a:fld>
             <a:endParaRPr lang="en-US"/>
           </a:p>
@@ -2395,7 +2395,7 @@
             <a:fld id="{135BD307-176B-4D78-836E-8019EAB19CFB}" type="datetimeFigureOut">
               <a:rPr lang="en-US" smtClean="0"/>
               <a:pPr/>
-              <a:t>11/4/18</a:t>
+              <a:t>11/5/18</a:t>
             </a:fld>
             <a:endParaRPr lang="en-US"/>
           </a:p>
@@ -2667,7 +2667,7 @@
             <a:fld id="{135BD307-176B-4D78-836E-8019EAB19CFB}" type="datetimeFigureOut">
               <a:rPr lang="en-US" smtClean="0"/>
               <a:pPr/>
-              <a:t>11/4/18</a:t>
+              <a:t>11/5/18</a:t>
             </a:fld>
             <a:endParaRPr lang="en-US"/>
           </a:p>
@@ -2916,7 +2916,7 @@
             <a:fld id="{135BD307-176B-4D78-836E-8019EAB19CFB}" type="datetimeFigureOut">
               <a:rPr lang="en-US" smtClean="0"/>
               <a:pPr/>
-              <a:t>11/4/18</a:t>
+              <a:t>11/5/18</a:t>
             </a:fld>
             <a:endParaRPr lang="en-US"/>
           </a:p>
@@ -3124,7 +3124,7 @@
             <a:fld id="{135BD307-176B-4D78-836E-8019EAB19CFB}" type="datetimeFigureOut">
               <a:rPr lang="en-US" smtClean="0"/>
               <a:pPr/>
-              <a:t>11/4/18</a:t>
+              <a:t>11/5/18</a:t>
             </a:fld>
             <a:endParaRPr lang="en-US"/>
           </a:p>
@@ -4197,7 +4197,7 @@
         <p:spPr bwMode="auto">
           <a:xfrm>
             <a:off x="1016001" y="17949919"/>
-            <a:ext cx="17094200" cy="8624831"/>
+            <a:ext cx="17094200" cy="8824319"/>
           </a:xfrm>
           <a:prstGeom prst="roundRect">
             <a:avLst>
@@ -4244,8 +4244,8 @@
         </p:nvSpPr>
         <p:spPr bwMode="auto">
           <a:xfrm>
-            <a:off x="18389601" y="24612600"/>
-            <a:ext cx="16992599" cy="1962150"/>
+            <a:off x="18389601" y="24612599"/>
+            <a:ext cx="16992599" cy="2161639"/>
           </a:xfrm>
           <a:prstGeom prst="roundRect">
             <a:avLst>
@@ -4274,7 +4274,7 @@
           <a:lstStyle/>
           <a:p>
             <a:pPr defTabSz="3762375"/>
-            <a:endParaRPr lang="zh-CN" altLang="en-US" sz="4000" b="1">
+            <a:endParaRPr lang="zh-CN" altLang="en-US" sz="4000" b="1" dirty="0">
               <a:latin typeface="Arial" pitchFamily="-65" charset="0"/>
               <a:ea typeface="宋体" pitchFamily="-65" charset="-122"/>
               <a:cs typeface="宋体" pitchFamily="-65" charset="-122"/>
@@ -4292,8 +4292,8 @@
         </p:nvSpPr>
         <p:spPr bwMode="auto">
           <a:xfrm>
-            <a:off x="18389601" y="19050000"/>
-            <a:ext cx="16992599" cy="5334000"/>
+            <a:off x="18389601" y="18879727"/>
+            <a:ext cx="16992599" cy="5573032"/>
           </a:xfrm>
           <a:prstGeom prst="roundRect">
             <a:avLst>
@@ -4322,7 +4322,7 @@
           <a:lstStyle/>
           <a:p>
             <a:pPr defTabSz="3762375"/>
-            <a:endParaRPr lang="zh-CN" altLang="en-US" sz="4000" b="1">
+            <a:endParaRPr lang="zh-CN" altLang="en-US" sz="4000" b="1" dirty="0">
               <a:latin typeface="Arial" pitchFamily="-65" charset="0"/>
               <a:ea typeface="宋体" pitchFamily="-65" charset="-122"/>
               <a:cs typeface="宋体" pitchFamily="-65" charset="-122"/>
@@ -4484,7 +4484,7 @@
         </p:nvSpPr>
         <p:spPr bwMode="auto">
           <a:xfrm>
-            <a:off x="25069800" y="19118759"/>
+            <a:off x="25069800" y="18911670"/>
             <a:ext cx="3810000" cy="769441"/>
           </a:xfrm>
           <a:prstGeom prst="rect">
@@ -4567,71 +4567,6 @@
               </a:rPr>
               <a:t>Acknowledgments</a:t>
             </a:r>
-          </a:p>
-        </p:txBody>
-      </p:sp>
-      <p:sp>
-        <p:nvSpPr>
-          <p:cNvPr id="25" name="Text Box 1135"/>
-          <p:cNvSpPr txBox="1">
-            <a:spLocks noChangeArrowheads="1"/>
-          </p:cNvSpPr>
-          <p:nvPr/>
-        </p:nvSpPr>
-        <p:spPr bwMode="auto">
-          <a:xfrm>
-            <a:off x="18591117" y="25679400"/>
-            <a:ext cx="16156083" cy="584775"/>
-          </a:xfrm>
-          <a:prstGeom prst="rect">
-            <a:avLst/>
-          </a:prstGeom>
-          <a:noFill/>
-          <a:ln w="9525">
-            <a:noFill/>
-            <a:miter lim="800000"/>
-            <a:headEnd/>
-            <a:tailEnd/>
-          </a:ln>
-          <a:effectLst/>
-        </p:spPr>
-        <p:txBody>
-          <a:bodyPr wrap="square">
-            <a:prstTxWarp prst="textNoShape">
-              <a:avLst/>
-            </a:prstTxWarp>
-            <a:spAutoFit/>
-          </a:bodyPr>
-          <a:lstStyle/>
-          <a:p>
-            <a:pPr marL="304800" indent="-304800" eaLnBrk="1" hangingPunct="1">
-              <a:spcBef>
-                <a:spcPct val="0"/>
-              </a:spcBef>
-              <a:buFontTx/>
-              <a:buChar char="•"/>
-            </a:pPr>
-            <a:r>
-              <a:rPr lang="en-US" sz="3200" b="1" dirty="0">
-                <a:latin typeface="Arial" pitchFamily="-65" charset="0"/>
-                <a:ea typeface="PMingLiU" pitchFamily="18" charset="-120"/>
-                <a:cs typeface="PMingLiU" pitchFamily="18" charset="-120"/>
-              </a:rPr>
-              <a:t>Funding sources, etc</a:t>
-            </a:r>
-            <a:r>
-              <a:rPr lang="en-US" sz="3200" b="1">
-                <a:latin typeface="Arial" pitchFamily="-65" charset="0"/>
-                <a:ea typeface="PMingLiU" pitchFamily="18" charset="-120"/>
-                <a:cs typeface="PMingLiU" pitchFamily="18" charset="-120"/>
-              </a:rPr>
-              <a:t>. </a:t>
-            </a:r>
-            <a:endParaRPr lang="en-US" sz="3200" b="1" dirty="0">
-              <a:latin typeface="Arial" pitchFamily="-65" charset="0"/>
-              <a:ea typeface="PMingLiU" pitchFamily="18" charset="-120"/>
-              <a:cs typeface="PMingLiU" pitchFamily="18" charset="-120"/>
-            </a:endParaRPr>
           </a:p>
         </p:txBody>
       </p:sp>
@@ -5209,7 +5144,7 @@
         </p:blipFill>
         <p:spPr>
           <a:xfrm>
-            <a:off x="7864321" y="22117111"/>
+            <a:off x="7817651" y="22482883"/>
             <a:ext cx="4850058" cy="3792065"/>
           </a:xfrm>
           <a:prstGeom prst="rect">
@@ -5245,7 +5180,7 @@
         </p:blipFill>
         <p:spPr>
           <a:xfrm>
-            <a:off x="1218300" y="22774355"/>
+            <a:off x="1197264" y="23079105"/>
             <a:ext cx="6027954" cy="3219289"/>
           </a:xfrm>
           <a:prstGeom prst="rect">
@@ -5281,7 +5216,7 @@
         </p:blipFill>
         <p:spPr>
           <a:xfrm>
-            <a:off x="13636906" y="22083244"/>
+            <a:off x="13558793" y="22537940"/>
             <a:ext cx="4124418" cy="3737008"/>
           </a:xfrm>
           <a:prstGeom prst="rect">
@@ -5664,7 +5599,10 @@
           <a:lstStyle/>
           <a:p>
             <a:r>
-              <a:rPr lang="en-US" sz="2000" dirty="0"/>
+              <a:rPr lang="en-US" sz="2000" dirty="0">
+                <a:latin typeface="Arial" panose="020B0604020202020204" pitchFamily="34" charset="0"/>
+                <a:cs typeface="Arial" panose="020B0604020202020204" pitchFamily="34" charset="0"/>
+              </a:rPr>
               <a:t>Multiple Open Power Quality boxes have been successfully deployed and are currently monitoring the health of Oahu’s grid. The image to the left is a screenshot of the Box Map Page provided to users by OPQ view. The Box Map page provides a location-oriented perspective of the OPQ Boxes associated with an OPQ Cloud instance. Clicking on the icon associated with a box reveals additional details about its status as shown below:</a:t>
             </a:r>
           </a:p>
@@ -5720,8 +5658,8 @@
         </p:nvSpPr>
         <p:spPr>
           <a:xfrm>
-            <a:off x="26214398" y="11076416"/>
-            <a:ext cx="8741540" cy="2246769"/>
+            <a:off x="26214398" y="10922528"/>
+            <a:ext cx="8741540" cy="2554545"/>
           </a:xfrm>
           <a:prstGeom prst="rect">
             <a:avLst/>
@@ -5735,23 +5673,38 @@
           <a:lstStyle/>
           <a:p>
             <a:r>
-              <a:rPr lang="en-US" sz="2000" dirty="0"/>
+              <a:rPr lang="en-US" sz="2000" dirty="0">
+                <a:latin typeface="Arial" panose="020B0604020202020204" pitchFamily="34" charset="0"/>
+                <a:cs typeface="Arial" panose="020B0604020202020204" pitchFamily="34" charset="0"/>
+              </a:rPr>
               <a:t>OPQ Makai has been successfully monitoring and triggering PQ events. The PQ events are analyzed by OPQ </a:t>
             </a:r>
             <a:r>
-              <a:rPr lang="en-US" sz="2000" dirty="0" err="1"/>
+              <a:rPr lang="en-US" sz="2000" dirty="0" err="1">
+                <a:latin typeface="Arial" panose="020B0604020202020204" pitchFamily="34" charset="0"/>
+                <a:cs typeface="Arial" panose="020B0604020202020204" pitchFamily="34" charset="0"/>
+              </a:rPr>
               <a:t>Mauka</a:t>
             </a:r>
             <a:r>
-              <a:rPr lang="en-US" sz="2000" dirty="0"/>
+              <a:rPr lang="en-US" sz="2000" dirty="0">
+                <a:latin typeface="Arial" panose="020B0604020202020204" pitchFamily="34" charset="0"/>
+                <a:cs typeface="Arial" panose="020B0604020202020204" pitchFamily="34" charset="0"/>
+              </a:rPr>
               <a:t> where they are potentially broken into multiple incidents and classified according to IEEE standards. The image to the left shows the Event Overview page provided by OPQ View. The particular event caught by the OPQ system in the image was classified as a VOLTAGE SAG. The waveform recorded by the OPQ Box displayed on the Event Overview page verifies this classification made by OPQ </a:t>
             </a:r>
             <a:r>
-              <a:rPr lang="en-US" sz="2000" dirty="0" err="1"/>
+              <a:rPr lang="en-US" sz="2000" dirty="0" err="1">
+                <a:latin typeface="Arial" panose="020B0604020202020204" pitchFamily="34" charset="0"/>
+                <a:cs typeface="Arial" panose="020B0604020202020204" pitchFamily="34" charset="0"/>
+              </a:rPr>
               <a:t>Mauka</a:t>
             </a:r>
             <a:r>
-              <a:rPr lang="en-US" sz="2000" dirty="0"/>
+              <a:rPr lang="en-US" sz="2000" dirty="0">
+                <a:latin typeface="Arial" panose="020B0604020202020204" pitchFamily="34" charset="0"/>
+                <a:cs typeface="Arial" panose="020B0604020202020204" pitchFamily="34" charset="0"/>
+              </a:rPr>
               <a:t>.</a:t>
             </a:r>
           </a:p>
@@ -5808,7 +5761,7 @@
         <p:spPr>
           <a:xfrm>
             <a:off x="19088101" y="15619896"/>
-            <a:ext cx="7830530" cy="1015663"/>
+            <a:ext cx="7830530" cy="1323439"/>
           </a:xfrm>
           <a:prstGeom prst="rect">
             <a:avLst/>
@@ -5822,8 +5775,190 @@
           <a:lstStyle/>
           <a:p>
             <a:r>
+              <a:rPr lang="en-US" sz="2000" dirty="0">
+                <a:latin typeface="Arial" panose="020B0604020202020204" pitchFamily="34" charset="0"/>
+                <a:cs typeface="Arial" panose="020B0604020202020204" pitchFamily="34" charset="0"/>
+              </a:rPr>
+              <a:t>The image to the right is a screenshot of the Live Data page provided by OPQ View. The Live Data page, as its name suggests, enable the user to see power quality data sent from OPQ Boxes in real time. </a:t>
+            </a:r>
+          </a:p>
+        </p:txBody>
+      </p:sp>
+      <p:sp>
+        <p:nvSpPr>
+          <p:cNvPr id="3" name="TextBox 2">
+            <a:extLst>
+              <a:ext uri="{FF2B5EF4-FFF2-40B4-BE49-F238E27FC236}">
+                <a16:creationId xmlns:a16="http://schemas.microsoft.com/office/drawing/2014/main" id="{8F8EA1A4-AE80-8C4D-B890-DA997171A613}"/>
+              </a:ext>
+            </a:extLst>
+          </p:cNvPr>
+          <p:cNvSpPr txBox="1"/>
+          <p:nvPr/>
+        </p:nvSpPr>
+        <p:spPr>
+          <a:xfrm>
+            <a:off x="18450178" y="19668218"/>
+            <a:ext cx="16992599" cy="4708981"/>
+          </a:xfrm>
+          <a:prstGeom prst="rect">
+            <a:avLst/>
+          </a:prstGeom>
+          <a:noFill/>
+        </p:spPr>
+        <p:txBody>
+          <a:bodyPr wrap="square" rtlCol="0">
+            <a:spAutoFit/>
+          </a:bodyPr>
+          <a:lstStyle/>
+          <a:p>
+            <a:r>
               <a:rPr lang="en-US" sz="2000" dirty="0"/>
-              <a:t>The image to the right is a screenshot of the Live Data page provided by OPQ View. The Live Data page, as its name suggests, enable the user to see power quality data sent from OPQ Boxes in real time. </a:t>
+              <a:t>   </a:t>
+            </a:r>
+            <a:r>
+              <a:rPr lang="en-US" sz="2000" dirty="0">
+                <a:latin typeface="Arial" panose="020B0604020202020204" pitchFamily="34" charset="0"/>
+                <a:cs typeface="Arial" panose="020B0604020202020204" pitchFamily="34" charset="0"/>
+              </a:rPr>
+              <a:t>The Open Power Quality project has recently been making exciting advancements and kicking off new and interesting initiatives.</a:t>
+            </a:r>
+          </a:p>
+          <a:p>
+            <a:endParaRPr lang="en-US" sz="2000" dirty="0">
+              <a:latin typeface="Arial" panose="020B0604020202020204" pitchFamily="34" charset="0"/>
+              <a:cs typeface="Arial" panose="020B0604020202020204" pitchFamily="34" charset="0"/>
+            </a:endParaRPr>
+          </a:p>
+          <a:p>
+            <a:r>
+              <a:rPr lang="en-US" sz="2000" dirty="0">
+                <a:latin typeface="Arial" panose="020B0604020202020204" pitchFamily="34" charset="0"/>
+                <a:cs typeface="Arial" panose="020B0604020202020204" pitchFamily="34" charset="0"/>
+              </a:rPr>
+              <a:t>  Open Power Quality is currently working on the Agile Power Monitoring project that started in Summer 2018 and will last for at least a year. The basic goal of this project is to demonstrate the ability of OPQ to provide useful analytics for UH microgrid management. </a:t>
+            </a:r>
+          </a:p>
+          <a:p>
+            <a:r>
+              <a:rPr lang="en-US" sz="2000" dirty="0">
+                <a:latin typeface="Arial" panose="020B0604020202020204" pitchFamily="34" charset="0"/>
+                <a:cs typeface="Arial" panose="020B0604020202020204" pitchFamily="34" charset="0"/>
+              </a:rPr>
+              <a:t>    To achieve net zero energy, the University of Hawaii must install significant solar generation on the </a:t>
+            </a:r>
+            <a:r>
+              <a:rPr lang="en-US" sz="2000" dirty="0" err="1">
+                <a:latin typeface="Arial" panose="020B0604020202020204" pitchFamily="34" charset="0"/>
+                <a:cs typeface="Arial" panose="020B0604020202020204" pitchFamily="34" charset="0"/>
+              </a:rPr>
+              <a:t>Manoa</a:t>
+            </a:r>
+            <a:r>
+              <a:rPr lang="en-US" sz="2000" dirty="0">
+                <a:latin typeface="Arial" panose="020B0604020202020204" pitchFamily="34" charset="0"/>
+                <a:cs typeface="Arial" panose="020B0604020202020204" pitchFamily="34" charset="0"/>
+              </a:rPr>
+              <a:t> campus while maintaining grid stability. Achieving this requires data useful for creating models of the current UHM microgrid, which can then provide insight into the impact of future solar installation and other energy conservation measures (ECMs) on the UH grid.  To that end, UH is installing building-level meters, which are an appropriate and crucial data collection capability. OPQ will complement this capability with an “agile” approach to power quality monitoring.</a:t>
+            </a:r>
+          </a:p>
+          <a:p>
+            <a:endParaRPr lang="en-US" sz="2000" dirty="0">
+              <a:latin typeface="Arial" panose="020B0604020202020204" pitchFamily="34" charset="0"/>
+              <a:cs typeface="Arial" panose="020B0604020202020204" pitchFamily="34" charset="0"/>
+            </a:endParaRPr>
+          </a:p>
+          <a:p>
+            <a:r>
+              <a:rPr lang="en-US" sz="2000" dirty="0">
+                <a:latin typeface="Arial" panose="020B0604020202020204" pitchFamily="34" charset="0"/>
+                <a:cs typeface="Arial" panose="020B0604020202020204" pitchFamily="34" charset="0"/>
+              </a:rPr>
+              <a:t>    In February, 2018, the Hawaii Public Utilities Commission approved a grid modernization strategy for Oahu's electric grid. The Open Power Quality wants to aid in this effort and is currently planning for the deployment of OPQ devices across Oahu in order to provide data to support the strategy.</a:t>
+            </a:r>
+          </a:p>
+          <a:p>
+            <a:endParaRPr lang="en-US" sz="2000" dirty="0">
+              <a:latin typeface="Arial" panose="020B0604020202020204" pitchFamily="34" charset="0"/>
+              <a:cs typeface="Arial" panose="020B0604020202020204" pitchFamily="34" charset="0"/>
+            </a:endParaRPr>
+          </a:p>
+          <a:p>
+            <a:r>
+              <a:rPr lang="en-US" sz="2000" dirty="0">
+                <a:latin typeface="Arial" panose="020B0604020202020204" pitchFamily="34" charset="0"/>
+                <a:cs typeface="Arial" panose="020B0604020202020204" pitchFamily="34" charset="0"/>
+              </a:rPr>
+              <a:t>    If Open Power Quality interests you and and you are seeking to gain experience in UI development, hardware design, and or data science then you can learn more about OPQ by attending one of our weekly project meetings, and, if you are still interested, you can sign up for an independent study and get to work!</a:t>
+            </a:r>
+          </a:p>
+        </p:txBody>
+      </p:sp>
+      <p:sp>
+        <p:nvSpPr>
+          <p:cNvPr id="28" name="TextBox 27">
+            <a:extLst>
+              <a:ext uri="{FF2B5EF4-FFF2-40B4-BE49-F238E27FC236}">
+                <a16:creationId xmlns:a16="http://schemas.microsoft.com/office/drawing/2014/main" id="{8355D423-5CB1-6D4D-9B74-A3944A5192B8}"/>
+              </a:ext>
+            </a:extLst>
+          </p:cNvPr>
+          <p:cNvSpPr txBox="1"/>
+          <p:nvPr/>
+        </p:nvSpPr>
+        <p:spPr>
+          <a:xfrm>
+            <a:off x="18818506" y="25450800"/>
+            <a:ext cx="16137432" cy="1323439"/>
+          </a:xfrm>
+          <a:prstGeom prst="rect">
+            <a:avLst/>
+          </a:prstGeom>
+          <a:noFill/>
+        </p:spPr>
+        <p:txBody>
+          <a:bodyPr wrap="square" rtlCol="0">
+            <a:spAutoFit/>
+          </a:bodyPr>
+          <a:lstStyle/>
+          <a:p>
+            <a:pPr algn="ctr"/>
+            <a:r>
+              <a:rPr lang="en-US" sz="2000" dirty="0">
+                <a:latin typeface="Arial" panose="020B0604020202020204" pitchFamily="34" charset="0"/>
+                <a:cs typeface="Arial" panose="020B0604020202020204" pitchFamily="34" charset="0"/>
+              </a:rPr>
+              <a:t>Open Power Quality is sponsored by:</a:t>
+            </a:r>
+          </a:p>
+          <a:p>
+            <a:pPr algn="ctr"/>
+            <a:r>
+              <a:rPr lang="en-US" sz="2000" dirty="0">
+                <a:latin typeface="Arial" panose="020B0604020202020204" pitchFamily="34" charset="0"/>
+                <a:cs typeface="Arial" panose="020B0604020202020204" pitchFamily="34" charset="0"/>
+              </a:rPr>
+              <a:t>Collaborative Software Development Laboratory, University of Hawaii</a:t>
+            </a:r>
+          </a:p>
+          <a:p>
+            <a:pPr algn="ctr"/>
+            <a:r>
+              <a:rPr lang="en-US" sz="2000" dirty="0">
+                <a:latin typeface="Arial" panose="020B0604020202020204" pitchFamily="34" charset="0"/>
+                <a:cs typeface="Arial" panose="020B0604020202020204" pitchFamily="34" charset="0"/>
+              </a:rPr>
+              <a:t>Department of Information and Computer Sciences, University of Hawaii</a:t>
+            </a:r>
+          </a:p>
+          <a:p>
+            <a:pPr algn="ctr"/>
+            <a:r>
+              <a:rPr lang="en-US" sz="2000" dirty="0">
+                <a:latin typeface="Arial" panose="020B0604020202020204" pitchFamily="34" charset="0"/>
+                <a:cs typeface="Arial" panose="020B0604020202020204" pitchFamily="34" charset="0"/>
+              </a:rPr>
+              <a:t>Department of Electrical Engineering, University of Hawaii</a:t>
             </a:r>
           </a:p>
         </p:txBody>

--- a/vip-opq-november-2018/VIP-OPQ-November-2018.pptx
+++ b/vip-opq-november-2018/VIP-OPQ-November-2018.pptx
@@ -4197,7 +4197,7 @@
         <p:spPr bwMode="auto">
           <a:xfrm>
             <a:off x="1016001" y="17949919"/>
-            <a:ext cx="17094200" cy="8824319"/>
+            <a:ext cx="17094200" cy="9024881"/>
           </a:xfrm>
           <a:prstGeom prst="roundRect">
             <a:avLst>
@@ -4245,7 +4245,7 @@
         <p:spPr bwMode="auto">
           <a:xfrm>
             <a:off x="18389601" y="24612599"/>
-            <a:ext cx="16992599" cy="2161639"/>
+            <a:ext cx="16992599" cy="2362201"/>
           </a:xfrm>
           <a:prstGeom prst="roundRect">
             <a:avLst>
@@ -5825,18 +5825,21 @@
             </a:r>
           </a:p>
           <a:p>
-            <a:endParaRPr lang="en-US" sz="2000" dirty="0">
-              <a:latin typeface="Arial" panose="020B0604020202020204" pitchFamily="34" charset="0"/>
-              <a:cs typeface="Arial" panose="020B0604020202020204" pitchFamily="34" charset="0"/>
-            </a:endParaRPr>
-          </a:p>
-          <a:p>
             <a:r>
               <a:rPr lang="en-US" sz="2000" dirty="0">
                 <a:latin typeface="Arial" panose="020B0604020202020204" pitchFamily="34" charset="0"/>
                 <a:cs typeface="Arial" panose="020B0604020202020204" pitchFamily="34" charset="0"/>
               </a:rPr>
-              <a:t>  Open Power Quality is currently working on the Agile Power Monitoring project that started in Summer 2018 and will last for at least a year. The basic goal of this project is to demonstrate the ability of OPQ to provide useful analytics for UH microgrid management. </a:t>
+              <a:t>  </a:t>
+            </a:r>
+          </a:p>
+          <a:p>
+            <a:r>
+              <a:rPr lang="en-US" sz="2000" dirty="0">
+                <a:latin typeface="Arial" panose="020B0604020202020204" pitchFamily="34" charset="0"/>
+                <a:cs typeface="Arial" panose="020B0604020202020204" pitchFamily="34" charset="0"/>
+              </a:rPr>
+              <a:t>Open Power Quality is currently working on the Agile Power Monitoring project that started in Summer 2018 and will last for at least a year. The basic goal of this project is to demonstrate the ability of OPQ to provide useful analytics for UH microgrid management. </a:t>
             </a:r>
           </a:p>
           <a:p>
@@ -5908,8 +5911,8 @@
         </p:nvSpPr>
         <p:spPr>
           <a:xfrm>
-            <a:off x="18818506" y="25450800"/>
-            <a:ext cx="16137432" cy="1323439"/>
+            <a:off x="18818506" y="25375777"/>
+            <a:ext cx="16137432" cy="1631216"/>
           </a:xfrm>
           <a:prstGeom prst="rect">
             <a:avLst/>
@@ -5930,6 +5933,20 @@
               </a:rPr>
               <a:t>Open Power Quality is sponsored by:</a:t>
             </a:r>
+          </a:p>
+          <a:p>
+            <a:pPr algn="ctr"/>
+            <a:r>
+              <a:rPr lang="en-US" sz="2000">
+                <a:latin typeface="Arial" panose="020B0604020202020204" pitchFamily="34" charset="0"/>
+                <a:cs typeface="Arial" panose="020B0604020202020204" pitchFamily="34" charset="0"/>
+              </a:rPr>
+              <a:t>University of Hawaii Presidents Green Award</a:t>
+            </a:r>
+            <a:endParaRPr lang="en-US" sz="2000" dirty="0">
+              <a:latin typeface="Arial" panose="020B0604020202020204" pitchFamily="34" charset="0"/>
+              <a:cs typeface="Arial" panose="020B0604020202020204" pitchFamily="34" charset="0"/>
+            </a:endParaRPr>
           </a:p>
           <a:p>
             <a:pPr algn="ctr"/>

--- a/vip-opq-november-2018/VIP-OPQ-November-2018.pptx
+++ b/vip-opq-november-2018/VIP-OPQ-November-2018.pptx
@@ -3505,8 +3505,8 @@
         </p:nvSpPr>
         <p:spPr bwMode="auto">
           <a:xfrm>
-            <a:off x="18389601" y="4857750"/>
-            <a:ext cx="16992599" cy="13887450"/>
+            <a:off x="18389601" y="4581854"/>
+            <a:ext cx="16992599" cy="14163346"/>
           </a:xfrm>
           <a:prstGeom prst="roundRect">
             <a:avLst>
@@ -3742,8 +3742,8 @@
         </p:nvSpPr>
         <p:spPr bwMode="auto">
           <a:xfrm>
-            <a:off x="1092202" y="4876802"/>
-            <a:ext cx="16875227" cy="5305172"/>
+            <a:off x="1092202" y="4572711"/>
+            <a:ext cx="16875227" cy="5609263"/>
           </a:xfrm>
           <a:prstGeom prst="roundRect">
             <a:avLst>
@@ -3790,7 +3790,7 @@
         </p:nvSpPr>
         <p:spPr bwMode="auto">
           <a:xfrm>
-            <a:off x="5943600" y="4909321"/>
+            <a:off x="5816598" y="4702407"/>
             <a:ext cx="7391400" cy="769441"/>
           </a:xfrm>
           <a:prstGeom prst="rect">
@@ -4436,7 +4436,7 @@
         </p:nvSpPr>
         <p:spPr bwMode="auto">
           <a:xfrm>
-            <a:off x="25603200" y="4876800"/>
+            <a:off x="25603200" y="4702407"/>
             <a:ext cx="2794000" cy="769441"/>
           </a:xfrm>
           <a:prstGeom prst="rect">
@@ -5977,6 +5977,69 @@
               </a:rPr>
               <a:t>Department of Electrical Engineering, University of Hawaii</a:t>
             </a:r>
+          </a:p>
+        </p:txBody>
+      </p:sp>
+      <p:sp>
+        <p:nvSpPr>
+          <p:cNvPr id="47" name="Text Box 996">
+            <a:extLst>
+              <a:ext uri="{FF2B5EF4-FFF2-40B4-BE49-F238E27FC236}">
+                <a16:creationId xmlns:a16="http://schemas.microsoft.com/office/drawing/2014/main" id="{3A64EA4A-6D1B-C84C-9BD7-6D362515F38F}"/>
+              </a:ext>
+            </a:extLst>
+          </p:cNvPr>
+          <p:cNvSpPr txBox="1">
+            <a:spLocks noChangeArrowheads="1"/>
+          </p:cNvSpPr>
+          <p:nvPr/>
+        </p:nvSpPr>
+        <p:spPr bwMode="auto">
+          <a:xfrm>
+            <a:off x="29895800" y="3056439"/>
+            <a:ext cx="6248400" cy="830997"/>
+          </a:xfrm>
+          <a:prstGeom prst="rect">
+            <a:avLst/>
+          </a:prstGeom>
+          <a:noFill/>
+          <a:ln w="25400">
+            <a:noFill/>
+            <a:miter lim="800000"/>
+            <a:headEnd/>
+            <a:tailEnd/>
+          </a:ln>
+          <a:effectLst/>
+        </p:spPr>
+        <p:txBody>
+          <a:bodyPr wrap="square">
+            <a:prstTxWarp prst="textNoShape">
+              <a:avLst/>
+            </a:prstTxWarp>
+            <a:spAutoFit/>
+          </a:bodyPr>
+          <a:lstStyle/>
+          <a:p>
+            <a:pPr algn="ctr" defTabSz="3762375"/>
+            <a:r>
+              <a:rPr lang="en-US" altLang="zh-CN" sz="4800" b="1" dirty="0">
+                <a:solidFill>
+                  <a:srgbClr val="005030"/>
+                </a:solidFill>
+                <a:latin typeface="Arial" pitchFamily="-65" charset="0"/>
+                <a:ea typeface="宋体" pitchFamily="-65" charset="-122"/>
+                <a:cs typeface="宋体" pitchFamily="-65" charset="-122"/>
+              </a:rPr>
+              <a:t>Poster No: 19</a:t>
+            </a:r>
+            <a:endParaRPr lang="en-US" altLang="zh-CN" b="1" dirty="0">
+              <a:solidFill>
+                <a:srgbClr val="005030"/>
+              </a:solidFill>
+              <a:latin typeface="Arial" pitchFamily="-65" charset="0"/>
+              <a:ea typeface="宋体" pitchFamily="-65" charset="-122"/>
+              <a:cs typeface="宋体" pitchFamily="-65" charset="-122"/>
+            </a:endParaRPr>
           </a:p>
         </p:txBody>
       </p:sp>
